--- a/UAT – Functional Testing.pptx
+++ b/UAT – Functional Testing.pptx
@@ -12,14 +12,19 @@
     <p:sldId id="260" r:id="rId6"/>
     <p:sldId id="262" r:id="rId7"/>
     <p:sldId id="261" r:id="rId8"/>
-    <p:sldId id="263" r:id="rId9"/>
-    <p:sldId id="264" r:id="rId10"/>
-    <p:sldId id="265" r:id="rId11"/>
+    <p:sldId id="268" r:id="rId9"/>
+    <p:sldId id="269" r:id="rId10"/>
+    <p:sldId id="263" r:id="rId11"/>
+    <p:sldId id="264" r:id="rId12"/>
+    <p:sldId id="266" r:id="rId13"/>
+    <p:sldId id="267" r:id="rId14"/>
+    <p:sldId id="270" r:id="rId15"/>
+    <p:sldId id="265" r:id="rId16"/>
   </p:sldIdLst>
   <p:sldSz cx="12192000" cy="6858000"/>
   <p:notesSz cx="6858000" cy="9144000"/>
   <p:custDataLst>
-    <p:tags r:id="rId12"/>
+    <p:tags r:id="rId17"/>
   </p:custDataLst>
   <p:defaultTextStyle>
     <a:defPPr>
@@ -166,7 +171,7 @@
           </a:lstStyle>
           <a:p>
             <a:r>
-              <a:rPr lang="en-US" smtClean="0"/>
+              <a:rPr lang="en-US"/>
               <a:t>Click to edit Master title style</a:t>
             </a:r>
             <a:endParaRPr lang="en-IN"/>
@@ -231,7 +236,7 @@
           </a:lstStyle>
           <a:p>
             <a:r>
-              <a:rPr lang="en-US" smtClean="0"/>
+              <a:rPr lang="en-US"/>
               <a:t>Click to edit Master subtitle style</a:t>
             </a:r>
             <a:endParaRPr lang="en-IN"/>
@@ -255,7 +260,7 @@
           <a:p>
             <a:fld id="{DF6D6269-43DF-426E-AD20-8436B2851D35}" type="datetimeFigureOut">
               <a:rPr lang="en-IN" smtClean="0"/>
-              <a:t>31-Dec-2024</a:t>
+              <a:t>10-Jan-2025</a:t>
             </a:fld>
             <a:endParaRPr lang="en-IN"/>
           </a:p>
@@ -349,7 +354,7 @@
           <a:lstStyle/>
           <a:p>
             <a:r>
-              <a:rPr lang="en-US" smtClean="0"/>
+              <a:rPr lang="en-US"/>
               <a:t>Click to edit Master title style</a:t>
             </a:r>
             <a:endParaRPr lang="en-IN"/>
@@ -373,35 +378,35 @@
           <a:p>
             <a:pPr lvl="0"/>
             <a:r>
-              <a:rPr lang="en-US" smtClean="0"/>
+              <a:rPr lang="en-US"/>
               <a:t>Edit Master text styles</a:t>
             </a:r>
           </a:p>
           <a:p>
             <a:pPr lvl="1"/>
             <a:r>
-              <a:rPr lang="en-US" smtClean="0"/>
+              <a:rPr lang="en-US"/>
               <a:t>Second level</a:t>
             </a:r>
           </a:p>
           <a:p>
             <a:pPr lvl="2"/>
             <a:r>
-              <a:rPr lang="en-US" smtClean="0"/>
+              <a:rPr lang="en-US"/>
               <a:t>Third level</a:t>
             </a:r>
           </a:p>
           <a:p>
             <a:pPr lvl="3"/>
             <a:r>
-              <a:rPr lang="en-US" smtClean="0"/>
+              <a:rPr lang="en-US"/>
               <a:t>Fourth level</a:t>
             </a:r>
           </a:p>
           <a:p>
             <a:pPr lvl="4"/>
             <a:r>
-              <a:rPr lang="en-US" smtClean="0"/>
+              <a:rPr lang="en-US"/>
               <a:t>Fifth level</a:t>
             </a:r>
             <a:endParaRPr lang="en-IN"/>
@@ -425,7 +430,7 @@
           <a:p>
             <a:fld id="{DF6D6269-43DF-426E-AD20-8436B2851D35}" type="datetimeFigureOut">
               <a:rPr lang="en-IN" smtClean="0"/>
-              <a:t>31-Dec-2024</a:t>
+              <a:t>10-Jan-2025</a:t>
             </a:fld>
             <a:endParaRPr lang="en-IN"/>
           </a:p>
@@ -524,7 +529,7 @@
           <a:lstStyle/>
           <a:p>
             <a:r>
-              <a:rPr lang="en-US" smtClean="0"/>
+              <a:rPr lang="en-US"/>
               <a:t>Click to edit Master title style</a:t>
             </a:r>
             <a:endParaRPr lang="en-IN"/>
@@ -553,35 +558,35 @@
           <a:p>
             <a:pPr lvl="0"/>
             <a:r>
-              <a:rPr lang="en-US" smtClean="0"/>
+              <a:rPr lang="en-US"/>
               <a:t>Edit Master text styles</a:t>
             </a:r>
           </a:p>
           <a:p>
             <a:pPr lvl="1"/>
             <a:r>
-              <a:rPr lang="en-US" smtClean="0"/>
+              <a:rPr lang="en-US"/>
               <a:t>Second level</a:t>
             </a:r>
           </a:p>
           <a:p>
             <a:pPr lvl="2"/>
             <a:r>
-              <a:rPr lang="en-US" smtClean="0"/>
+              <a:rPr lang="en-US"/>
               <a:t>Third level</a:t>
             </a:r>
           </a:p>
           <a:p>
             <a:pPr lvl="3"/>
             <a:r>
-              <a:rPr lang="en-US" smtClean="0"/>
+              <a:rPr lang="en-US"/>
               <a:t>Fourth level</a:t>
             </a:r>
           </a:p>
           <a:p>
             <a:pPr lvl="4"/>
             <a:r>
-              <a:rPr lang="en-US" smtClean="0"/>
+              <a:rPr lang="en-US"/>
               <a:t>Fifth level</a:t>
             </a:r>
             <a:endParaRPr lang="en-IN"/>
@@ -605,7 +610,7 @@
           <a:p>
             <a:fld id="{DF6D6269-43DF-426E-AD20-8436B2851D35}" type="datetimeFigureOut">
               <a:rPr lang="en-IN" smtClean="0"/>
-              <a:t>31-Dec-2024</a:t>
+              <a:t>10-Jan-2025</a:t>
             </a:fld>
             <a:endParaRPr lang="en-IN"/>
           </a:p>
@@ -699,7 +704,7 @@
           <a:lstStyle/>
           <a:p>
             <a:r>
-              <a:rPr lang="en-US" smtClean="0"/>
+              <a:rPr lang="en-US"/>
               <a:t>Click to edit Master title style</a:t>
             </a:r>
             <a:endParaRPr lang="en-IN"/>
@@ -723,35 +728,35 @@
           <a:p>
             <a:pPr lvl="0"/>
             <a:r>
-              <a:rPr lang="en-US" smtClean="0"/>
+              <a:rPr lang="en-US"/>
               <a:t>Edit Master text styles</a:t>
             </a:r>
           </a:p>
           <a:p>
             <a:pPr lvl="1"/>
             <a:r>
-              <a:rPr lang="en-US" smtClean="0"/>
+              <a:rPr lang="en-US"/>
               <a:t>Second level</a:t>
             </a:r>
           </a:p>
           <a:p>
             <a:pPr lvl="2"/>
             <a:r>
-              <a:rPr lang="en-US" smtClean="0"/>
+              <a:rPr lang="en-US"/>
               <a:t>Third level</a:t>
             </a:r>
           </a:p>
           <a:p>
             <a:pPr lvl="3"/>
             <a:r>
-              <a:rPr lang="en-US" smtClean="0"/>
+              <a:rPr lang="en-US"/>
               <a:t>Fourth level</a:t>
             </a:r>
           </a:p>
           <a:p>
             <a:pPr lvl="4"/>
             <a:r>
-              <a:rPr lang="en-US" smtClean="0"/>
+              <a:rPr lang="en-US"/>
               <a:t>Fifth level</a:t>
             </a:r>
             <a:endParaRPr lang="en-IN"/>
@@ -775,7 +780,7 @@
           <a:p>
             <a:fld id="{DF6D6269-43DF-426E-AD20-8436B2851D35}" type="datetimeFigureOut">
               <a:rPr lang="en-IN" smtClean="0"/>
-              <a:t>31-Dec-2024</a:t>
+              <a:t>10-Jan-2025</a:t>
             </a:fld>
             <a:endParaRPr lang="en-IN"/>
           </a:p>
@@ -878,7 +883,7 @@
           </a:lstStyle>
           <a:p>
             <a:r>
-              <a:rPr lang="en-US" smtClean="0"/>
+              <a:rPr lang="en-US"/>
               <a:t>Click to edit Master title style</a:t>
             </a:r>
             <a:endParaRPr lang="en-IN"/>
@@ -998,7 +1003,7 @@
           <a:p>
             <a:pPr lvl="0"/>
             <a:r>
-              <a:rPr lang="en-US" smtClean="0"/>
+              <a:rPr lang="en-US"/>
               <a:t>Edit Master text styles</a:t>
             </a:r>
           </a:p>
@@ -1021,7 +1026,7 @@
           <a:p>
             <a:fld id="{DF6D6269-43DF-426E-AD20-8436B2851D35}" type="datetimeFigureOut">
               <a:rPr lang="en-IN" smtClean="0"/>
-              <a:t>31-Dec-2024</a:t>
+              <a:t>10-Jan-2025</a:t>
             </a:fld>
             <a:endParaRPr lang="en-IN"/>
           </a:p>
@@ -1115,7 +1120,7 @@
           <a:lstStyle/>
           <a:p>
             <a:r>
-              <a:rPr lang="en-US" smtClean="0"/>
+              <a:rPr lang="en-US"/>
               <a:t>Click to edit Master title style</a:t>
             </a:r>
             <a:endParaRPr lang="en-IN"/>
@@ -1144,35 +1149,35 @@
           <a:p>
             <a:pPr lvl="0"/>
             <a:r>
-              <a:rPr lang="en-US" smtClean="0"/>
+              <a:rPr lang="en-US"/>
               <a:t>Edit Master text styles</a:t>
             </a:r>
           </a:p>
           <a:p>
             <a:pPr lvl="1"/>
             <a:r>
-              <a:rPr lang="en-US" smtClean="0"/>
+              <a:rPr lang="en-US"/>
               <a:t>Second level</a:t>
             </a:r>
           </a:p>
           <a:p>
             <a:pPr lvl="2"/>
             <a:r>
-              <a:rPr lang="en-US" smtClean="0"/>
+              <a:rPr lang="en-US"/>
               <a:t>Third level</a:t>
             </a:r>
           </a:p>
           <a:p>
             <a:pPr lvl="3"/>
             <a:r>
-              <a:rPr lang="en-US" smtClean="0"/>
+              <a:rPr lang="en-US"/>
               <a:t>Fourth level</a:t>
             </a:r>
           </a:p>
           <a:p>
             <a:pPr lvl="4"/>
             <a:r>
-              <a:rPr lang="en-US" smtClean="0"/>
+              <a:rPr lang="en-US"/>
               <a:t>Fifth level</a:t>
             </a:r>
             <a:endParaRPr lang="en-IN"/>
@@ -1201,35 +1206,35 @@
           <a:p>
             <a:pPr lvl="0"/>
             <a:r>
-              <a:rPr lang="en-US" smtClean="0"/>
+              <a:rPr lang="en-US"/>
               <a:t>Edit Master text styles</a:t>
             </a:r>
           </a:p>
           <a:p>
             <a:pPr lvl="1"/>
             <a:r>
-              <a:rPr lang="en-US" smtClean="0"/>
+              <a:rPr lang="en-US"/>
               <a:t>Second level</a:t>
             </a:r>
           </a:p>
           <a:p>
             <a:pPr lvl="2"/>
             <a:r>
-              <a:rPr lang="en-US" smtClean="0"/>
+              <a:rPr lang="en-US"/>
               <a:t>Third level</a:t>
             </a:r>
           </a:p>
           <a:p>
             <a:pPr lvl="3"/>
             <a:r>
-              <a:rPr lang="en-US" smtClean="0"/>
+              <a:rPr lang="en-US"/>
               <a:t>Fourth level</a:t>
             </a:r>
           </a:p>
           <a:p>
             <a:pPr lvl="4"/>
             <a:r>
-              <a:rPr lang="en-US" smtClean="0"/>
+              <a:rPr lang="en-US"/>
               <a:t>Fifth level</a:t>
             </a:r>
             <a:endParaRPr lang="en-IN"/>
@@ -1253,7 +1258,7 @@
           <a:p>
             <a:fld id="{DF6D6269-43DF-426E-AD20-8436B2851D35}" type="datetimeFigureOut">
               <a:rPr lang="en-IN" smtClean="0"/>
-              <a:t>31-Dec-2024</a:t>
+              <a:t>10-Jan-2025</a:t>
             </a:fld>
             <a:endParaRPr lang="en-IN"/>
           </a:p>
@@ -1352,7 +1357,7 @@
           <a:lstStyle/>
           <a:p>
             <a:r>
-              <a:rPr lang="en-US" smtClean="0"/>
+              <a:rPr lang="en-US"/>
               <a:t>Click to edit Master title style</a:t>
             </a:r>
             <a:endParaRPr lang="en-IN"/>
@@ -1418,7 +1423,7 @@
           <a:p>
             <a:pPr lvl="0"/>
             <a:r>
-              <a:rPr lang="en-US" smtClean="0"/>
+              <a:rPr lang="en-US"/>
               <a:t>Edit Master text styles</a:t>
             </a:r>
           </a:p>
@@ -1446,35 +1451,35 @@
           <a:p>
             <a:pPr lvl="0"/>
             <a:r>
-              <a:rPr lang="en-US" smtClean="0"/>
+              <a:rPr lang="en-US"/>
               <a:t>Edit Master text styles</a:t>
             </a:r>
           </a:p>
           <a:p>
             <a:pPr lvl="1"/>
             <a:r>
-              <a:rPr lang="en-US" smtClean="0"/>
+              <a:rPr lang="en-US"/>
               <a:t>Second level</a:t>
             </a:r>
           </a:p>
           <a:p>
             <a:pPr lvl="2"/>
             <a:r>
-              <a:rPr lang="en-US" smtClean="0"/>
+              <a:rPr lang="en-US"/>
               <a:t>Third level</a:t>
             </a:r>
           </a:p>
           <a:p>
             <a:pPr lvl="3"/>
             <a:r>
-              <a:rPr lang="en-US" smtClean="0"/>
+              <a:rPr lang="en-US"/>
               <a:t>Fourth level</a:t>
             </a:r>
           </a:p>
           <a:p>
             <a:pPr lvl="4"/>
             <a:r>
-              <a:rPr lang="en-US" smtClean="0"/>
+              <a:rPr lang="en-US"/>
               <a:t>Fifth level</a:t>
             </a:r>
             <a:endParaRPr lang="en-IN"/>
@@ -1540,7 +1545,7 @@
           <a:p>
             <a:pPr lvl="0"/>
             <a:r>
-              <a:rPr lang="en-US" smtClean="0"/>
+              <a:rPr lang="en-US"/>
               <a:t>Edit Master text styles</a:t>
             </a:r>
           </a:p>
@@ -1568,35 +1573,35 @@
           <a:p>
             <a:pPr lvl="0"/>
             <a:r>
-              <a:rPr lang="en-US" smtClean="0"/>
+              <a:rPr lang="en-US"/>
               <a:t>Edit Master text styles</a:t>
             </a:r>
           </a:p>
           <a:p>
             <a:pPr lvl="1"/>
             <a:r>
-              <a:rPr lang="en-US" smtClean="0"/>
+              <a:rPr lang="en-US"/>
               <a:t>Second level</a:t>
             </a:r>
           </a:p>
           <a:p>
             <a:pPr lvl="2"/>
             <a:r>
-              <a:rPr lang="en-US" smtClean="0"/>
+              <a:rPr lang="en-US"/>
               <a:t>Third level</a:t>
             </a:r>
           </a:p>
           <a:p>
             <a:pPr lvl="3"/>
             <a:r>
-              <a:rPr lang="en-US" smtClean="0"/>
+              <a:rPr lang="en-US"/>
               <a:t>Fourth level</a:t>
             </a:r>
           </a:p>
           <a:p>
             <a:pPr lvl="4"/>
             <a:r>
-              <a:rPr lang="en-US" smtClean="0"/>
+              <a:rPr lang="en-US"/>
               <a:t>Fifth level</a:t>
             </a:r>
             <a:endParaRPr lang="en-IN"/>
@@ -1620,7 +1625,7 @@
           <a:p>
             <a:fld id="{DF6D6269-43DF-426E-AD20-8436B2851D35}" type="datetimeFigureOut">
               <a:rPr lang="en-IN" smtClean="0"/>
-              <a:t>31-Dec-2024</a:t>
+              <a:t>10-Jan-2025</a:t>
             </a:fld>
             <a:endParaRPr lang="en-IN"/>
           </a:p>
@@ -1714,7 +1719,7 @@
           <a:lstStyle/>
           <a:p>
             <a:r>
-              <a:rPr lang="en-US" smtClean="0"/>
+              <a:rPr lang="en-US"/>
               <a:t>Click to edit Master title style</a:t>
             </a:r>
             <a:endParaRPr lang="en-IN"/>
@@ -1738,7 +1743,7 @@
           <a:p>
             <a:fld id="{DF6D6269-43DF-426E-AD20-8436B2851D35}" type="datetimeFigureOut">
               <a:rPr lang="en-IN" smtClean="0"/>
-              <a:t>31-Dec-2024</a:t>
+              <a:t>10-Jan-2025</a:t>
             </a:fld>
             <a:endParaRPr lang="en-IN"/>
           </a:p>
@@ -1833,7 +1838,7 @@
           <a:p>
             <a:fld id="{DF6D6269-43DF-426E-AD20-8436B2851D35}" type="datetimeFigureOut">
               <a:rPr lang="en-IN" smtClean="0"/>
-              <a:t>31-Dec-2024</a:t>
+              <a:t>10-Jan-2025</a:t>
             </a:fld>
             <a:endParaRPr lang="en-IN"/>
           </a:p>
@@ -1936,7 +1941,7 @@
           </a:lstStyle>
           <a:p>
             <a:r>
-              <a:rPr lang="en-US" smtClean="0"/>
+              <a:rPr lang="en-US"/>
               <a:t>Click to edit Master title style</a:t>
             </a:r>
             <a:endParaRPr lang="en-IN"/>
@@ -1993,35 +1998,35 @@
           <a:p>
             <a:pPr lvl="0"/>
             <a:r>
-              <a:rPr lang="en-US" smtClean="0"/>
+              <a:rPr lang="en-US"/>
               <a:t>Edit Master text styles</a:t>
             </a:r>
           </a:p>
           <a:p>
             <a:pPr lvl="1"/>
             <a:r>
-              <a:rPr lang="en-US" smtClean="0"/>
+              <a:rPr lang="en-US"/>
               <a:t>Second level</a:t>
             </a:r>
           </a:p>
           <a:p>
             <a:pPr lvl="2"/>
             <a:r>
-              <a:rPr lang="en-US" smtClean="0"/>
+              <a:rPr lang="en-US"/>
               <a:t>Third level</a:t>
             </a:r>
           </a:p>
           <a:p>
             <a:pPr lvl="3"/>
             <a:r>
-              <a:rPr lang="en-US" smtClean="0"/>
+              <a:rPr lang="en-US"/>
               <a:t>Fourth level</a:t>
             </a:r>
           </a:p>
           <a:p>
             <a:pPr lvl="4"/>
             <a:r>
-              <a:rPr lang="en-US" smtClean="0"/>
+              <a:rPr lang="en-US"/>
               <a:t>Fifth level</a:t>
             </a:r>
             <a:endParaRPr lang="en-IN"/>
@@ -2087,7 +2092,7 @@
           <a:p>
             <a:pPr lvl="0"/>
             <a:r>
-              <a:rPr lang="en-US" smtClean="0"/>
+              <a:rPr lang="en-US"/>
               <a:t>Edit Master text styles</a:t>
             </a:r>
           </a:p>
@@ -2110,7 +2115,7 @@
           <a:p>
             <a:fld id="{DF6D6269-43DF-426E-AD20-8436B2851D35}" type="datetimeFigureOut">
               <a:rPr lang="en-IN" smtClean="0"/>
-              <a:t>31-Dec-2024</a:t>
+              <a:t>10-Jan-2025</a:t>
             </a:fld>
             <a:endParaRPr lang="en-IN"/>
           </a:p>
@@ -2213,7 +2218,7 @@
           </a:lstStyle>
           <a:p>
             <a:r>
-              <a:rPr lang="en-US" smtClean="0"/>
+              <a:rPr lang="en-US"/>
               <a:t>Click to edit Master title style</a:t>
             </a:r>
             <a:endParaRPr lang="en-IN"/>
@@ -2340,7 +2345,7 @@
           <a:p>
             <a:pPr lvl="0"/>
             <a:r>
-              <a:rPr lang="en-US" smtClean="0"/>
+              <a:rPr lang="en-US"/>
               <a:t>Edit Master text styles</a:t>
             </a:r>
           </a:p>
@@ -2363,7 +2368,7 @@
           <a:p>
             <a:fld id="{DF6D6269-43DF-426E-AD20-8436B2851D35}" type="datetimeFigureOut">
               <a:rPr lang="en-IN" smtClean="0"/>
-              <a:t>31-Dec-2024</a:t>
+              <a:t>10-Jan-2025</a:t>
             </a:fld>
             <a:endParaRPr lang="en-IN"/>
           </a:p>
@@ -2472,7 +2477,7 @@
           <a:lstStyle/>
           <a:p>
             <a:r>
-              <a:rPr lang="en-US" smtClean="0"/>
+              <a:rPr lang="en-US"/>
               <a:t>Click to edit Master title style</a:t>
             </a:r>
             <a:endParaRPr lang="en-IN"/>
@@ -2506,35 +2511,35 @@
           <a:p>
             <a:pPr lvl="0"/>
             <a:r>
-              <a:rPr lang="en-US" smtClean="0"/>
+              <a:rPr lang="en-US"/>
               <a:t>Edit Master text styles</a:t>
             </a:r>
           </a:p>
           <a:p>
             <a:pPr lvl="1"/>
             <a:r>
-              <a:rPr lang="en-US" smtClean="0"/>
+              <a:rPr lang="en-US"/>
               <a:t>Second level</a:t>
             </a:r>
           </a:p>
           <a:p>
             <a:pPr lvl="2"/>
             <a:r>
-              <a:rPr lang="en-US" smtClean="0"/>
+              <a:rPr lang="en-US"/>
               <a:t>Third level</a:t>
             </a:r>
           </a:p>
           <a:p>
             <a:pPr lvl="3"/>
             <a:r>
-              <a:rPr lang="en-US" smtClean="0"/>
+              <a:rPr lang="en-US"/>
               <a:t>Fourth level</a:t>
             </a:r>
           </a:p>
           <a:p>
             <a:pPr lvl="4"/>
             <a:r>
-              <a:rPr lang="en-US" smtClean="0"/>
+              <a:rPr lang="en-US"/>
               <a:t>Fifth level</a:t>
             </a:r>
             <a:endParaRPr lang="en-IN"/>
@@ -2576,7 +2581,7 @@
           <a:p>
             <a:fld id="{DF6D6269-43DF-426E-AD20-8436B2851D35}" type="datetimeFigureOut">
               <a:rPr lang="en-IN" smtClean="0"/>
-              <a:t>31-Dec-2024</a:t>
+              <a:t>10-Jan-2025</a:t>
             </a:fld>
             <a:endParaRPr lang="en-IN"/>
           </a:p>
@@ -3005,21 +3010,21 @@
           <a:p>
             <a:pPr algn="l"/>
             <a:r>
-              <a:rPr lang="en-US" sz="2400" dirty="0" smtClean="0"/>
+              <a:rPr lang="en-US" sz="2400" dirty="0"/>
               <a:t>UAT – Functional Testing</a:t>
             </a:r>
             <a:br>
-              <a:rPr lang="en-US" sz="2400" dirty="0" smtClean="0"/>
+              <a:rPr lang="en-US" sz="2400" dirty="0"/>
             </a:br>
             <a:r>
-              <a:rPr lang="en-US" sz="2400" dirty="0" smtClean="0"/>
+              <a:rPr lang="en-US" sz="2400" dirty="0"/>
               <a:t>NER – Non Functional Testing</a:t>
             </a:r>
             <a:br>
-              <a:rPr lang="en-US" sz="2400" dirty="0" smtClean="0"/>
+              <a:rPr lang="en-US" sz="2400" dirty="0"/>
             </a:br>
             <a:r>
-              <a:rPr lang="en-US" sz="2400" dirty="0" smtClean="0"/>
+              <a:rPr lang="en-US" sz="2400" dirty="0"/>
               <a:t>New - UAT</a:t>
             </a:r>
             <a:endParaRPr lang="en-IN" sz="2400" dirty="0"/>
@@ -3050,59 +3055,43 @@
           <a:p>
             <a:pPr algn="l"/>
             <a:r>
-              <a:rPr lang="en-US" dirty="0" smtClean="0"/>
+              <a:rPr lang="en-US" dirty="0"/>
               <a:t>Application – BNCS</a:t>
             </a:r>
           </a:p>
           <a:p>
             <a:pPr algn="l"/>
             <a:r>
-              <a:rPr lang="en-US" dirty="0" smtClean="0"/>
+              <a:rPr lang="en-US" dirty="0"/>
               <a:t>Trade – MCX</a:t>
             </a:r>
           </a:p>
           <a:p>
             <a:pPr algn="l"/>
             <a:r>
-              <a:rPr lang="en-US" dirty="0" smtClean="0"/>
+              <a:rPr lang="en-US" dirty="0"/>
               <a:t>TCION – E-matcher</a:t>
             </a:r>
           </a:p>
           <a:p>
             <a:pPr algn="l"/>
             <a:r>
-              <a:rPr lang="en-US" dirty="0" smtClean="0"/>
+              <a:rPr lang="en-US" dirty="0"/>
               <a:t>MTS – Order member exchanges login</a:t>
             </a:r>
           </a:p>
           <a:p>
             <a:pPr algn="l"/>
             <a:r>
-              <a:rPr lang="en-US" dirty="0" smtClean="0"/>
-              <a:t>T7 – Matcher, Exchange </a:t>
-            </a:r>
-            <a:r>
-              <a:rPr lang="en-US" dirty="0" smtClean="0"/>
-              <a:t>functionality</a:t>
+              <a:rPr lang="en-US" dirty="0"/>
+              <a:t>T7 – Matcher, Exchange functionality</a:t>
             </a:r>
           </a:p>
           <a:p>
             <a:pPr algn="l"/>
             <a:r>
-              <a:rPr lang="en-US" dirty="0" smtClean="0"/>
-              <a:t>FIX Protocol: </a:t>
-            </a:r>
-            <a:r>
-              <a:rPr lang="en-US" dirty="0"/>
-              <a:t>The Financial Information </a:t>
-            </a:r>
-            <a:r>
-              <a:rPr lang="en-US" dirty="0" err="1"/>
-              <a:t>eXchange</a:t>
-            </a:r>
-            <a:r>
-              <a:rPr lang="en-US" dirty="0"/>
-              <a:t> (FIX) is a vendor-neutral electronic communications protocol for the international real-time exchange of </a:t>
+              <a:rPr lang="en-US" dirty="0"/>
+              <a:t>FIX Protocol: The Financial Information exchange (FIX) is a vendor-neutral electronic communications protocol for the international real-time exchange of </a:t>
             </a:r>
             <a:r>
               <a:rPr lang="en-US" u="sng" dirty="0">
@@ -3128,13 +3117,6 @@
   <p:clrMapOvr>
     <a:masterClrMapping/>
   </p:clrMapOvr>
-  <p:timing>
-    <p:tnLst>
-      <p:par>
-        <p:cTn id="1" dur="indefinite" restart="never" nodeType="tmRoot"/>
-      </p:par>
-    </p:tnLst>
-  </p:timing>
 </p:sld>
 </file>
 
@@ -3171,7 +3153,969 @@
           <a:lstStyle/>
           <a:p>
             <a:r>
-              <a:rPr lang="en-US" dirty="0" smtClean="0"/>
+              <a:rPr lang="en-US" b="1" dirty="0"/>
+              <a:t>Sheet names:</a:t>
+            </a:r>
+            <a:endParaRPr lang="en-IN" b="1" dirty="0"/>
+          </a:p>
+        </p:txBody>
+      </p:sp>
+      <p:sp>
+        <p:nvSpPr>
+          <p:cNvPr id="3" name="Content Placeholder 2"/>
+          <p:cNvSpPr>
+            <a:spLocks noGrp="1"/>
+          </p:cNvSpPr>
+          <p:nvPr>
+            <p:ph idx="1"/>
+          </p:nvPr>
+        </p:nvSpPr>
+        <p:spPr/>
+        <p:txBody>
+          <a:bodyPr>
+            <a:normAutofit fontScale="92500" lnSpcReduction="20000"/>
+          </a:bodyPr>
+          <a:lstStyle/>
+          <a:p>
+            <a:r>
+              <a:rPr lang="en-US" dirty="0"/>
+              <a:t>0. Order Data</a:t>
+            </a:r>
+          </a:p>
+          <a:p>
+            <a:r>
+              <a:rPr lang="en-US" dirty="0"/>
+              <a:t>1. Gateway Connection [2:14]</a:t>
+            </a:r>
+          </a:p>
+          <a:p>
+            <a:r>
+              <a:rPr lang="en-US" dirty="0"/>
+              <a:t>3. Reading Session </a:t>
+            </a:r>
+            <a:r>
+              <a:rPr lang="en-US" u="sng" dirty="0"/>
+              <a:t>Gateway Connection </a:t>
+            </a:r>
+            <a:r>
+              <a:rPr lang="en-US" dirty="0"/>
+              <a:t>Data [8:24]</a:t>
+            </a:r>
+          </a:p>
+          <a:p>
+            <a:r>
+              <a:rPr lang="en-US" dirty="0"/>
+              <a:t>5. Reading </a:t>
+            </a:r>
+            <a:r>
+              <a:rPr lang="en-US" u="sng" dirty="0"/>
+              <a:t>Session Logon </a:t>
+            </a:r>
+            <a:r>
+              <a:rPr lang="en-US" dirty="0"/>
+              <a:t>Data</a:t>
+            </a:r>
+          </a:p>
+          <a:p>
+            <a:r>
+              <a:rPr lang="en-US" dirty="0"/>
+              <a:t>11. Reading </a:t>
+            </a:r>
+            <a:r>
+              <a:rPr lang="en-US" u="sng" dirty="0"/>
+              <a:t>User Logon</a:t>
+            </a:r>
+            <a:r>
+              <a:rPr lang="en-US" dirty="0"/>
+              <a:t> Data</a:t>
+            </a:r>
+          </a:p>
+          <a:p>
+            <a:r>
+              <a:rPr lang="en-US" dirty="0"/>
+              <a:t>7, 8, 9. Reading </a:t>
+            </a:r>
+            <a:r>
+              <a:rPr lang="en-US" u="sng" dirty="0"/>
+              <a:t>Subscription</a:t>
+            </a:r>
+            <a:r>
+              <a:rPr lang="en-US" dirty="0"/>
+              <a:t> Data</a:t>
+            </a:r>
+          </a:p>
+          <a:p>
+            <a:r>
+              <a:rPr lang="en-US" dirty="0"/>
+              <a:t>13. </a:t>
+            </a:r>
+            <a:r>
+              <a:rPr lang="en-US" u="sng" dirty="0"/>
+              <a:t>Session Logout</a:t>
+            </a:r>
+          </a:p>
+          <a:p>
+            <a:r>
+              <a:rPr lang="en-US" dirty="0"/>
+              <a:t>15. </a:t>
+            </a:r>
+            <a:r>
+              <a:rPr lang="en-US" u="sng" dirty="0"/>
+              <a:t>Heart beat</a:t>
+            </a:r>
+          </a:p>
+          <a:p>
+            <a:r>
+              <a:rPr lang="en-US" dirty="0"/>
+              <a:t>Reading </a:t>
+            </a:r>
+            <a:r>
+              <a:rPr lang="en-US" u="sng" dirty="0"/>
+              <a:t>Other API </a:t>
+            </a:r>
+            <a:r>
+              <a:rPr lang="en-US" dirty="0"/>
+              <a:t>to be tested</a:t>
+            </a:r>
+          </a:p>
+          <a:p>
+            <a:r>
+              <a:rPr lang="en-IN" dirty="0"/>
+              <a:t>Reading </a:t>
+            </a:r>
+            <a:r>
+              <a:rPr lang="en-IN" u="sng" dirty="0"/>
+              <a:t>pack/unpack</a:t>
+            </a:r>
+            <a:r>
+              <a:rPr lang="en-IN" dirty="0"/>
+              <a:t> format data</a:t>
+            </a:r>
+          </a:p>
+        </p:txBody>
+      </p:sp>
+    </p:spTree>
+    <p:extLst>
+      <p:ext uri="{BB962C8B-B14F-4D97-AF65-F5344CB8AC3E}">
+        <p14:creationId xmlns:p14="http://schemas.microsoft.com/office/powerpoint/2010/main" val="3696200183"/>
+      </p:ext>
+    </p:extLst>
+  </p:cSld>
+  <p:clrMapOvr>
+    <a:masterClrMapping/>
+  </p:clrMapOvr>
+</p:sld>
+</file>
+
+<file path=ppt/slides/slide11.xml><?xml version="1.0" encoding="utf-8"?>
+<p:sld xmlns:a="http://schemas.openxmlformats.org/drawingml/2006/main" xmlns:r="http://schemas.openxmlformats.org/officeDocument/2006/relationships" xmlns:p="http://schemas.openxmlformats.org/presentationml/2006/main">
+  <p:cSld>
+    <p:spTree>
+      <p:nvGrpSpPr>
+        <p:cNvPr id="1" name=""/>
+        <p:cNvGrpSpPr/>
+        <p:nvPr/>
+      </p:nvGrpSpPr>
+      <p:grpSpPr>
+        <a:xfrm>
+          <a:off x="0" y="0"/>
+          <a:ext cx="0" cy="0"/>
+          <a:chOff x="0" y="0"/>
+          <a:chExt cx="0" cy="0"/>
+        </a:xfrm>
+      </p:grpSpPr>
+      <p:sp>
+        <p:nvSpPr>
+          <p:cNvPr id="2" name="Title 1"/>
+          <p:cNvSpPr>
+            <a:spLocks noGrp="1"/>
+          </p:cNvSpPr>
+          <p:nvPr>
+            <p:ph type="title"/>
+          </p:nvPr>
+        </p:nvSpPr>
+        <p:spPr/>
+        <p:txBody>
+          <a:bodyPr/>
+          <a:lstStyle/>
+          <a:p>
+            <a:r>
+              <a:rPr lang="en-US" dirty="0"/>
+              <a:t>Main code methods</a:t>
+            </a:r>
+            <a:endParaRPr lang="en-IN" dirty="0"/>
+          </a:p>
+        </p:txBody>
+      </p:sp>
+      <p:sp>
+        <p:nvSpPr>
+          <p:cNvPr id="3" name="Content Placeholder 2"/>
+          <p:cNvSpPr>
+            <a:spLocks noGrp="1"/>
+          </p:cNvSpPr>
+          <p:nvPr>
+            <p:ph idx="1"/>
+          </p:nvPr>
+        </p:nvSpPr>
+        <p:spPr/>
+        <p:txBody>
+          <a:bodyPr>
+            <a:normAutofit fontScale="85000" lnSpcReduction="20000"/>
+          </a:bodyPr>
+          <a:lstStyle/>
+          <a:p>
+            <a:r>
+              <a:rPr lang="en-US" dirty="0"/>
+              <a:t>Socket: 1024 receiving</a:t>
+            </a:r>
+          </a:p>
+          <a:p>
+            <a:pPr lvl="1"/>
+            <a:r>
+              <a:rPr lang="en-US" dirty="0"/>
+              <a:t>MOCKDR: Gateway logout</a:t>
+            </a:r>
+            <a:endParaRPr lang="en-IN" dirty="0"/>
+          </a:p>
+          <a:p>
+            <a:pPr lvl="1"/>
+            <a:r>
+              <a:rPr lang="en-US" dirty="0"/>
+              <a:t>MOCKDC: Gateway logout</a:t>
+            </a:r>
+          </a:p>
+          <a:p>
+            <a:pPr lvl="1"/>
+            <a:r>
+              <a:rPr lang="en-US" dirty="0"/>
+              <a:t>Binary codes numbers:</a:t>
+            </a:r>
+          </a:p>
+          <a:p>
+            <a:pPr lvl="2"/>
+            <a:r>
+              <a:rPr lang="en-US" dirty="0"/>
+              <a:t>10010: Reject response </a:t>
+            </a:r>
+          </a:p>
+          <a:p>
+            <a:pPr lvl="2"/>
+            <a:r>
+              <a:rPr lang="en-US" dirty="0"/>
+              <a:t>Or session logon success</a:t>
+            </a:r>
+          </a:p>
+          <a:p>
+            <a:pPr lvl="2"/>
+            <a:r>
+              <a:rPr lang="en-US" dirty="0"/>
+              <a:t>User Logon Request</a:t>
+            </a:r>
+          </a:p>
+          <a:p>
+            <a:pPr lvl="2"/>
+            <a:r>
+              <a:rPr lang="en-US" dirty="0"/>
+              <a:t>Decoded server response header</a:t>
+            </a:r>
+          </a:p>
+          <a:p>
+            <a:pPr lvl="2"/>
+            <a:r>
+              <a:rPr lang="en-US" dirty="0"/>
+              <a:t>Subscription Request – 1 x 3 </a:t>
+            </a:r>
+          </a:p>
+          <a:p>
+            <a:pPr lvl="2"/>
+            <a:r>
+              <a:rPr lang="en-US" dirty="0"/>
+              <a:t>Decoded server response Subscription header </a:t>
+            </a:r>
+          </a:p>
+          <a:p>
+            <a:pPr lvl="2"/>
+            <a:r>
+              <a:rPr lang="en-US" dirty="0"/>
+              <a:t>10010: 	Order reject response</a:t>
+            </a:r>
+          </a:p>
+          <a:p>
+            <a:pPr lvl="1"/>
+            <a:r>
+              <a:rPr lang="en-US" dirty="0"/>
+              <a:t>Total Number of orders available</a:t>
+            </a:r>
+          </a:p>
+          <a:p>
+            <a:pPr lvl="2"/>
+            <a:endParaRPr lang="en-US" dirty="0"/>
+          </a:p>
+          <a:p>
+            <a:pPr lvl="1"/>
+            <a:r>
+              <a:rPr lang="en-US" dirty="0"/>
+              <a:t>AES: Decryption</a:t>
+            </a:r>
+          </a:p>
+          <a:p>
+            <a:pPr lvl="2"/>
+            <a:r>
+              <a:rPr lang="en-US" dirty="0"/>
+              <a:t>Inside Excel Report Generation</a:t>
+            </a:r>
+          </a:p>
+          <a:p>
+            <a:pPr lvl="2"/>
+            <a:r>
+              <a:rPr lang="en-US" dirty="0"/>
+              <a:t>Template id responses count.	</a:t>
+            </a:r>
+          </a:p>
+          <a:p>
+            <a:pPr lvl="2"/>
+            <a:endParaRPr lang="en-US" dirty="0"/>
+          </a:p>
+        </p:txBody>
+      </p:sp>
+    </p:spTree>
+    <p:extLst>
+      <p:ext uri="{BB962C8B-B14F-4D97-AF65-F5344CB8AC3E}">
+        <p14:creationId xmlns:p14="http://schemas.microsoft.com/office/powerpoint/2010/main" val="2954943236"/>
+      </p:ext>
+    </p:extLst>
+  </p:cSld>
+  <p:clrMapOvr>
+    <a:masterClrMapping/>
+  </p:clrMapOvr>
+</p:sld>
+</file>
+
+<file path=ppt/slides/slide12.xml><?xml version="1.0" encoding="utf-8"?>
+<p:sld xmlns:a="http://schemas.openxmlformats.org/drawingml/2006/main" xmlns:r="http://schemas.openxmlformats.org/officeDocument/2006/relationships" xmlns:p="http://schemas.openxmlformats.org/presentationml/2006/main">
+  <p:cSld>
+    <p:spTree>
+      <p:nvGrpSpPr>
+        <p:cNvPr id="1" name=""/>
+        <p:cNvGrpSpPr/>
+        <p:nvPr/>
+      </p:nvGrpSpPr>
+      <p:grpSpPr>
+        <a:xfrm>
+          <a:off x="0" y="0"/>
+          <a:ext cx="0" cy="0"/>
+          <a:chOff x="0" y="0"/>
+          <a:chExt cx="0" cy="0"/>
+        </a:xfrm>
+      </p:grpSpPr>
+      <p:sp>
+        <p:nvSpPr>
+          <p:cNvPr id="2" name="Title 1"/>
+          <p:cNvSpPr>
+            <a:spLocks noGrp="1"/>
+          </p:cNvSpPr>
+          <p:nvPr>
+            <p:ph type="title"/>
+          </p:nvPr>
+        </p:nvSpPr>
+        <p:spPr/>
+        <p:txBody>
+          <a:bodyPr/>
+          <a:lstStyle/>
+          <a:p>
+            <a:r>
+              <a:rPr lang="en-US" dirty="0"/>
+              <a:t>Methods 2</a:t>
+            </a:r>
+            <a:endParaRPr lang="en-IN" dirty="0"/>
+          </a:p>
+        </p:txBody>
+      </p:sp>
+      <p:sp>
+        <p:nvSpPr>
+          <p:cNvPr id="3" name="Content Placeholder 2"/>
+          <p:cNvSpPr>
+            <a:spLocks noGrp="1"/>
+          </p:cNvSpPr>
+          <p:nvPr>
+            <p:ph idx="1"/>
+          </p:nvPr>
+        </p:nvSpPr>
+        <p:spPr/>
+        <p:txBody>
+          <a:bodyPr>
+            <a:normAutofit fontScale="62500" lnSpcReduction="20000"/>
+          </a:bodyPr>
+          <a:lstStyle/>
+          <a:p>
+            <a:r>
+              <a:rPr lang="en-US" dirty="0" err="1"/>
+              <a:t>SendOrder</a:t>
+            </a:r>
+            <a:endParaRPr lang="en-US" dirty="0"/>
+          </a:p>
+          <a:p>
+            <a:pPr lvl="1"/>
+            <a:r>
+              <a:rPr lang="en-US" dirty="0"/>
+              <a:t>Order Data from </a:t>
+            </a:r>
+            <a:r>
+              <a:rPr lang="en-US" dirty="0" err="1"/>
+              <a:t>config</a:t>
+            </a:r>
+            <a:r>
+              <a:rPr lang="en-US" dirty="0"/>
+              <a:t> file</a:t>
+            </a:r>
+          </a:p>
+          <a:p>
+            <a:pPr lvl="1"/>
+            <a:r>
+              <a:rPr lang="en-US" dirty="0"/>
+              <a:t>Order number : row number</a:t>
+            </a:r>
+          </a:p>
+          <a:p>
+            <a:pPr lvl="2"/>
+            <a:r>
+              <a:rPr lang="en-US" dirty="0"/>
+              <a:t>If Status = Y</a:t>
+            </a:r>
+          </a:p>
+          <a:p>
+            <a:pPr lvl="3"/>
+            <a:r>
+              <a:rPr lang="en-US" dirty="0"/>
+              <a:t>Order type = “NEW”</a:t>
+            </a:r>
+          </a:p>
+          <a:p>
+            <a:pPr lvl="4"/>
+            <a:r>
+              <a:rPr lang="en-US" dirty="0"/>
+              <a:t>New Sending Order</a:t>
+            </a:r>
+          </a:p>
+          <a:p>
+            <a:pPr lvl="4"/>
+            <a:r>
+              <a:rPr lang="en-US" dirty="0"/>
+              <a:t>New order data template</a:t>
+            </a:r>
+          </a:p>
+          <a:p>
+            <a:pPr lvl="4"/>
+            <a:r>
+              <a:rPr lang="en-US" dirty="0"/>
+              <a:t>Order type is &amp; Order no is Message </a:t>
+            </a:r>
+            <a:r>
+              <a:rPr lang="en-US" dirty="0" err="1"/>
+              <a:t>Seq</a:t>
+            </a:r>
+            <a:r>
+              <a:rPr lang="en-US" dirty="0"/>
+              <a:t> is: </a:t>
+            </a:r>
+          </a:p>
+          <a:p>
+            <a:pPr lvl="4"/>
+            <a:r>
+              <a:rPr lang="en-US" dirty="0"/>
+              <a:t>Inside new order</a:t>
+            </a:r>
+          </a:p>
+          <a:p>
+            <a:pPr lvl="4"/>
+            <a:r>
+              <a:rPr lang="en-US" dirty="0"/>
+              <a:t>Order row number</a:t>
+            </a:r>
+          </a:p>
+          <a:p>
+            <a:pPr lvl="4"/>
+            <a:r>
+              <a:rPr lang="en-US" dirty="0"/>
+              <a:t>New order Request </a:t>
+            </a:r>
+          </a:p>
+          <a:p>
+            <a:pPr lvl="3"/>
+            <a:r>
+              <a:rPr lang="en-US" dirty="0"/>
+              <a:t>Order type = “MODIFY”</a:t>
+            </a:r>
+          </a:p>
+          <a:p>
+            <a:pPr lvl="4"/>
+            <a:r>
+              <a:rPr lang="en-US" dirty="0"/>
+              <a:t>Modify Order</a:t>
+            </a:r>
+          </a:p>
+          <a:p>
+            <a:pPr lvl="4"/>
+            <a:r>
+              <a:rPr lang="en-US" dirty="0"/>
+              <a:t>Order type is &amp; Order no is Message </a:t>
+            </a:r>
+            <a:r>
+              <a:rPr lang="en-US" dirty="0" err="1"/>
+              <a:t>Seq</a:t>
+            </a:r>
+            <a:r>
+              <a:rPr lang="en-US" dirty="0"/>
+              <a:t> is: </a:t>
+            </a:r>
+          </a:p>
+          <a:p>
+            <a:pPr lvl="4"/>
+            <a:r>
+              <a:rPr lang="en-US" dirty="0"/>
+              <a:t>Older order number no</a:t>
+            </a:r>
+          </a:p>
+          <a:p>
+            <a:pPr lvl="4"/>
+            <a:r>
+              <a:rPr lang="en-US" dirty="0"/>
+              <a:t>Modified order Request</a:t>
+            </a:r>
+          </a:p>
+          <a:p>
+            <a:pPr lvl="3"/>
+            <a:r>
+              <a:rPr lang="en-US" dirty="0"/>
+              <a:t>Order type = “CANCEL”</a:t>
+            </a:r>
+          </a:p>
+          <a:p>
+            <a:pPr lvl="4"/>
+            <a:r>
+              <a:rPr lang="en-US" dirty="0"/>
+              <a:t>CANCEL Order</a:t>
+            </a:r>
+          </a:p>
+          <a:p>
+            <a:pPr lvl="4"/>
+            <a:r>
+              <a:rPr lang="en-US" dirty="0"/>
+              <a:t>Order type is &amp; Order no is Message </a:t>
+            </a:r>
+            <a:r>
+              <a:rPr lang="en-US" dirty="0" err="1"/>
+              <a:t>Seq</a:t>
+            </a:r>
+            <a:r>
+              <a:rPr lang="en-US" dirty="0"/>
+              <a:t> is: </a:t>
+            </a:r>
+          </a:p>
+          <a:p>
+            <a:pPr lvl="4"/>
+            <a:r>
+              <a:rPr lang="en-US" dirty="0"/>
+              <a:t>order number no from excel</a:t>
+            </a:r>
+          </a:p>
+          <a:p>
+            <a:pPr lvl="4"/>
+            <a:r>
+              <a:rPr lang="en-US" dirty="0"/>
+              <a:t>Modified order Request</a:t>
+            </a:r>
+          </a:p>
+          <a:p>
+            <a:pPr lvl="4"/>
+            <a:endParaRPr lang="en-US" dirty="0"/>
+          </a:p>
+          <a:p>
+            <a:pPr lvl="4"/>
+            <a:endParaRPr lang="en-US" dirty="0"/>
+          </a:p>
+        </p:txBody>
+      </p:sp>
+    </p:spTree>
+    <p:extLst>
+      <p:ext uri="{BB962C8B-B14F-4D97-AF65-F5344CB8AC3E}">
+        <p14:creationId xmlns:p14="http://schemas.microsoft.com/office/powerpoint/2010/main" val="1345140869"/>
+      </p:ext>
+    </p:extLst>
+  </p:cSld>
+  <p:clrMapOvr>
+    <a:masterClrMapping/>
+  </p:clrMapOvr>
+</p:sld>
+</file>
+
+<file path=ppt/slides/slide13.xml><?xml version="1.0" encoding="utf-8"?>
+<p:sld xmlns:a="http://schemas.openxmlformats.org/drawingml/2006/main" xmlns:r="http://schemas.openxmlformats.org/officeDocument/2006/relationships" xmlns:p="http://schemas.openxmlformats.org/presentationml/2006/main">
+  <p:cSld>
+    <p:spTree>
+      <p:nvGrpSpPr>
+        <p:cNvPr id="1" name=""/>
+        <p:cNvGrpSpPr/>
+        <p:nvPr/>
+      </p:nvGrpSpPr>
+      <p:grpSpPr>
+        <a:xfrm>
+          <a:off x="0" y="0"/>
+          <a:ext cx="0" cy="0"/>
+          <a:chOff x="0" y="0"/>
+          <a:chExt cx="0" cy="0"/>
+        </a:xfrm>
+      </p:grpSpPr>
+      <p:sp>
+        <p:nvSpPr>
+          <p:cNvPr id="2" name="Title 1"/>
+          <p:cNvSpPr>
+            <a:spLocks noGrp="1"/>
+          </p:cNvSpPr>
+          <p:nvPr>
+            <p:ph type="title"/>
+          </p:nvPr>
+        </p:nvSpPr>
+        <p:spPr/>
+        <p:txBody>
+          <a:bodyPr/>
+          <a:lstStyle/>
+          <a:p>
+            <a:r>
+              <a:rPr lang="en-US" dirty="0"/>
+              <a:t>Method 3	</a:t>
+            </a:r>
+            <a:endParaRPr lang="en-IN" dirty="0"/>
+          </a:p>
+        </p:txBody>
+      </p:sp>
+      <p:sp>
+        <p:nvSpPr>
+          <p:cNvPr id="3" name="Content Placeholder 2"/>
+          <p:cNvSpPr>
+            <a:spLocks noGrp="1"/>
+          </p:cNvSpPr>
+          <p:nvPr>
+            <p:ph idx="1"/>
+          </p:nvPr>
+        </p:nvSpPr>
+        <p:spPr/>
+        <p:txBody>
+          <a:bodyPr/>
+          <a:lstStyle/>
+          <a:p>
+            <a:r>
+              <a:rPr lang="en-US" dirty="0"/>
+              <a:t>Inside report generation </a:t>
+            </a:r>
+          </a:p>
+          <a:p>
+            <a:r>
+              <a:rPr lang="en-US" dirty="0"/>
+              <a:t>Template id responses count</a:t>
+            </a:r>
+          </a:p>
+          <a:p>
+            <a:r>
+              <a:rPr lang="en-US" dirty="0" err="1"/>
+              <a:t>Testcase</a:t>
+            </a:r>
+            <a:r>
+              <a:rPr lang="en-US" dirty="0"/>
+              <a:t> length</a:t>
+            </a:r>
+          </a:p>
+          <a:p>
+            <a:pPr lvl="1"/>
+            <a:r>
+              <a:rPr lang="en-US" dirty="0"/>
+              <a:t>Header: </a:t>
+            </a:r>
+            <a:r>
+              <a:rPr lang="en-US" dirty="0" err="1"/>
+              <a:t>Sr_no</a:t>
+            </a:r>
+            <a:r>
+              <a:rPr lang="en-US" dirty="0"/>
+              <a:t>, </a:t>
+            </a:r>
+            <a:r>
+              <a:rPr lang="en-US" dirty="0" err="1"/>
+              <a:t>TestCase_name</a:t>
+            </a:r>
+            <a:r>
+              <a:rPr lang="en-US" dirty="0"/>
+              <a:t>, </a:t>
+            </a:r>
+            <a:r>
+              <a:rPr lang="en-US" dirty="0" err="1"/>
+              <a:t>user_id</a:t>
+            </a:r>
+            <a:r>
+              <a:rPr lang="en-US" dirty="0"/>
+              <a:t>, </a:t>
+            </a:r>
+            <a:r>
+              <a:rPr lang="en-US" dirty="0" err="1"/>
+              <a:t>orderno</a:t>
+            </a:r>
+            <a:r>
+              <a:rPr lang="en-US" dirty="0"/>
+              <a:t>, Responses</a:t>
+            </a:r>
+            <a:r>
+              <a:rPr lang="en-US"/>
+              <a:t>, Comment</a:t>
+            </a:r>
+            <a:endParaRPr lang="en-IN" dirty="0"/>
+          </a:p>
+        </p:txBody>
+      </p:sp>
+    </p:spTree>
+    <p:extLst>
+      <p:ext uri="{BB962C8B-B14F-4D97-AF65-F5344CB8AC3E}">
+        <p14:creationId xmlns:p14="http://schemas.microsoft.com/office/powerpoint/2010/main" val="1858852920"/>
+      </p:ext>
+    </p:extLst>
+  </p:cSld>
+  <p:clrMapOvr>
+    <a:masterClrMapping/>
+  </p:clrMapOvr>
+</p:sld>
+</file>
+
+<file path=ppt/slides/slide14.xml><?xml version="1.0" encoding="utf-8"?>
+<p:sld xmlns:a="http://schemas.openxmlformats.org/drawingml/2006/main" xmlns:r="http://schemas.openxmlformats.org/officeDocument/2006/relationships" xmlns:p="http://schemas.openxmlformats.org/presentationml/2006/main">
+  <p:cSld>
+    <p:spTree>
+      <p:nvGrpSpPr>
+        <p:cNvPr id="1" name=""/>
+        <p:cNvGrpSpPr/>
+        <p:nvPr/>
+      </p:nvGrpSpPr>
+      <p:grpSpPr>
+        <a:xfrm>
+          <a:off x="0" y="0"/>
+          <a:ext cx="0" cy="0"/>
+          <a:chOff x="0" y="0"/>
+          <a:chExt cx="0" cy="0"/>
+        </a:xfrm>
+      </p:grpSpPr>
+      <p:sp>
+        <p:nvSpPr>
+          <p:cNvPr id="2" name="Title 1">
+            <a:extLst>
+              <a:ext uri="{FF2B5EF4-FFF2-40B4-BE49-F238E27FC236}">
+                <a16:creationId xmlns:a16="http://schemas.microsoft.com/office/drawing/2014/main" id="{A506D097-5B94-B745-177B-1A4665F36840}"/>
+              </a:ext>
+            </a:extLst>
+          </p:cNvPr>
+          <p:cNvSpPr>
+            <a:spLocks noGrp="1"/>
+          </p:cNvSpPr>
+          <p:nvPr>
+            <p:ph type="title"/>
+          </p:nvPr>
+        </p:nvSpPr>
+        <p:spPr/>
+        <p:txBody>
+          <a:bodyPr/>
+          <a:lstStyle/>
+          <a:p>
+            <a:r>
+              <a:rPr lang="en-US" dirty="0"/>
+              <a:t>Moin KTs</a:t>
+            </a:r>
+            <a:endParaRPr lang="en-IN" dirty="0"/>
+          </a:p>
+        </p:txBody>
+      </p:sp>
+      <p:sp>
+        <p:nvSpPr>
+          <p:cNvPr id="3" name="Content Placeholder 2">
+            <a:extLst>
+              <a:ext uri="{FF2B5EF4-FFF2-40B4-BE49-F238E27FC236}">
+                <a16:creationId xmlns:a16="http://schemas.microsoft.com/office/drawing/2014/main" id="{3348FD65-ACB6-5879-F558-E503B95D9121}"/>
+              </a:ext>
+            </a:extLst>
+          </p:cNvPr>
+          <p:cNvSpPr>
+            <a:spLocks noGrp="1"/>
+          </p:cNvSpPr>
+          <p:nvPr>
+            <p:ph idx="1"/>
+          </p:nvPr>
+        </p:nvSpPr>
+        <p:spPr>
+          <a:xfrm>
+            <a:off x="838200" y="1283368"/>
+            <a:ext cx="10515600" cy="4893595"/>
+          </a:xfrm>
+        </p:spPr>
+        <p:txBody>
+          <a:bodyPr>
+            <a:normAutofit/>
+          </a:bodyPr>
+          <a:lstStyle/>
+          <a:p>
+            <a:r>
+              <a:rPr lang="en-US" dirty="0"/>
+              <a:t>Environments:</a:t>
+            </a:r>
+          </a:p>
+          <a:p>
+            <a:pPr lvl="1"/>
+            <a:r>
+              <a:rPr lang="en-IN" dirty="0"/>
+              <a:t>UAT2 – Encryption.py, jar, subprocess, new </a:t>
+            </a:r>
+            <a:r>
+              <a:rPr lang="en-IN" dirty="0" err="1"/>
+              <a:t>passuser</a:t>
+            </a:r>
+            <a:r>
+              <a:rPr lang="en-IN" dirty="0"/>
+              <a:t> – encryption</a:t>
+            </a:r>
+          </a:p>
+          <a:p>
+            <a:pPr lvl="1"/>
+            <a:r>
+              <a:rPr lang="en-IN" dirty="0"/>
+              <a:t>New UAT – Encryption.py, </a:t>
+            </a:r>
+          </a:p>
+          <a:p>
+            <a:pPr lvl="1"/>
+            <a:r>
+              <a:rPr lang="en-IN" dirty="0"/>
+              <a:t>NFR (Parameter also) – ETI_order_with_config.py  </a:t>
+            </a:r>
+          </a:p>
+          <a:p>
+            <a:pPr lvl="1"/>
+            <a:r>
+              <a:rPr lang="en-IN" dirty="0"/>
+              <a:t>Encry_sequence.py – UAT2</a:t>
+            </a:r>
+          </a:p>
+          <a:p>
+            <a:pPr lvl="1"/>
+            <a:r>
+              <a:rPr lang="en-IN" u="sng" dirty="0"/>
+              <a:t>Algo</a:t>
+            </a:r>
+            <a:r>
+              <a:rPr lang="en-IN" dirty="0"/>
+              <a:t>: limited day orders, </a:t>
+            </a:r>
+            <a:r>
+              <a:rPr lang="en-IN" u="sng" dirty="0"/>
+              <a:t>Non Algo</a:t>
+            </a:r>
+            <a:r>
+              <a:rPr lang="en-IN" dirty="0"/>
+              <a:t>: All UAT  OS orders</a:t>
+            </a:r>
+          </a:p>
+          <a:p>
+            <a:pPr lvl="1"/>
+            <a:r>
+              <a:rPr lang="en-IN" dirty="0"/>
+              <a:t>IPs: </a:t>
+            </a:r>
+            <a:r>
+              <a:rPr lang="en-IN" u="sng" dirty="0"/>
+              <a:t>UAT</a:t>
+            </a:r>
+            <a:r>
+              <a:rPr lang="en-IN" dirty="0"/>
+              <a:t>: .133, </a:t>
+            </a:r>
+            <a:r>
+              <a:rPr lang="en-IN" u="sng" dirty="0"/>
+              <a:t>New UAT</a:t>
+            </a:r>
+            <a:r>
+              <a:rPr lang="en-IN" dirty="0"/>
+              <a:t>: .52</a:t>
+            </a:r>
+          </a:p>
+          <a:p>
+            <a:pPr lvl="1"/>
+            <a:endParaRPr lang="en-IN" dirty="0"/>
+          </a:p>
+          <a:p>
+            <a:pPr lvl="1"/>
+            <a:r>
+              <a:rPr lang="en-IN" dirty="0"/>
+              <a:t>Code, Enter your choice: NFR UAT</a:t>
+            </a:r>
+          </a:p>
+          <a:p>
+            <a:pPr lvl="1"/>
+            <a:r>
+              <a:rPr lang="en-IN" dirty="0"/>
+              <a:t>Change LDAP Password: csv: </a:t>
+            </a:r>
+            <a:r>
+              <a:rPr lang="en-IN" dirty="0" err="1"/>
+              <a:t>userID</a:t>
+            </a:r>
+            <a:r>
+              <a:rPr lang="en-IN" dirty="0"/>
+              <a:t>, New Password</a:t>
+            </a:r>
+          </a:p>
+        </p:txBody>
+      </p:sp>
+    </p:spTree>
+    <p:extLst>
+      <p:ext uri="{BB962C8B-B14F-4D97-AF65-F5344CB8AC3E}">
+        <p14:creationId xmlns:p14="http://schemas.microsoft.com/office/powerpoint/2010/main" val="3407825786"/>
+      </p:ext>
+    </p:extLst>
+  </p:cSld>
+  <p:clrMapOvr>
+    <a:masterClrMapping/>
+  </p:clrMapOvr>
+</p:sld>
+</file>
+
+<file path=ppt/slides/slide15.xml><?xml version="1.0" encoding="utf-8"?>
+<p:sld xmlns:a="http://schemas.openxmlformats.org/drawingml/2006/main" xmlns:r="http://schemas.openxmlformats.org/officeDocument/2006/relationships" xmlns:p="http://schemas.openxmlformats.org/presentationml/2006/main">
+  <p:cSld>
+    <p:spTree>
+      <p:nvGrpSpPr>
+        <p:cNvPr id="1" name=""/>
+        <p:cNvGrpSpPr/>
+        <p:nvPr/>
+      </p:nvGrpSpPr>
+      <p:grpSpPr>
+        <a:xfrm>
+          <a:off x="0" y="0"/>
+          <a:ext cx="0" cy="0"/>
+          <a:chOff x="0" y="0"/>
+          <a:chExt cx="0" cy="0"/>
+        </a:xfrm>
+      </p:grpSpPr>
+      <p:sp>
+        <p:nvSpPr>
+          <p:cNvPr id="2" name="Title 1"/>
+          <p:cNvSpPr>
+            <a:spLocks noGrp="1"/>
+          </p:cNvSpPr>
+          <p:nvPr>
+            <p:ph type="title"/>
+          </p:nvPr>
+        </p:nvSpPr>
+        <p:spPr/>
+        <p:txBody>
+          <a:bodyPr/>
+          <a:lstStyle/>
+          <a:p>
+            <a:r>
+              <a:rPr lang="en-US" dirty="0"/>
               <a:t>Reporting and Members</a:t>
             </a:r>
             <a:endParaRPr lang="en-IN" dirty="0"/>
@@ -3194,48 +4138,34 @@
           <a:lstStyle/>
           <a:p>
             <a:r>
-              <a:rPr lang="en-US" dirty="0" smtClean="0"/>
+              <a:rPr lang="en-US" dirty="0"/>
               <a:t>Praveen CTO</a:t>
             </a:r>
           </a:p>
           <a:p>
             <a:pPr lvl="1"/>
             <a:r>
-              <a:rPr lang="en-US" dirty="0" err="1" smtClean="0"/>
+              <a:rPr lang="en-US" dirty="0" err="1"/>
               <a:t>Sanchit</a:t>
             </a:r>
             <a:r>
-              <a:rPr lang="en-US" dirty="0" smtClean="0"/>
+              <a:rPr lang="en-US" dirty="0"/>
               <a:t> AVP for Overall Utility and update</a:t>
             </a:r>
           </a:p>
           <a:p>
             <a:pPr lvl="2"/>
             <a:r>
-              <a:rPr lang="en-US" dirty="0" smtClean="0"/>
+              <a:rPr lang="en-US" dirty="0"/>
               <a:t>Senior Manager Sir for Team meeting</a:t>
             </a:r>
-            <a:endParaRPr lang="en-US" dirty="0"/>
           </a:p>
           <a:p>
             <a:pPr lvl="3"/>
             <a:r>
               <a:rPr lang="en-US" dirty="0"/>
-              <a:t>Ankita </a:t>
-            </a:r>
-            <a:r>
-              <a:rPr lang="en-US" dirty="0" smtClean="0"/>
-              <a:t>Manager for </a:t>
-            </a:r>
-            <a:r>
-              <a:rPr lang="en-US" dirty="0"/>
-              <a:t>Theory and server </a:t>
-            </a:r>
-            <a:r>
-              <a:rPr lang="en-US" dirty="0" smtClean="0"/>
-              <a:t>update</a:t>
-            </a:r>
-            <a:endParaRPr lang="en-US" dirty="0"/>
+              <a:t>Ankita Manager for Theory and server update</a:t>
+            </a:r>
           </a:p>
           <a:p>
             <a:pPr lvl="4"/>
@@ -3245,21 +4175,8 @@
             </a:r>
             <a:r>
               <a:rPr lang="en-US" dirty="0"/>
-              <a:t> </a:t>
-            </a:r>
-            <a:r>
-              <a:rPr lang="en-US" dirty="0" smtClean="0"/>
-              <a:t>associate Manager </a:t>
-            </a:r>
-            <a:r>
-              <a:rPr lang="en-US" dirty="0"/>
-              <a:t>for Project, system and server </a:t>
-            </a:r>
-            <a:r>
-              <a:rPr lang="en-US" dirty="0" smtClean="0"/>
-              <a:t>update </a:t>
-            </a:r>
-            <a:endParaRPr lang="en-US" dirty="0"/>
+              <a:t> associate Manager for Project, system and server update </a:t>
+            </a:r>
           </a:p>
           <a:p>
             <a:pPr lvl="5"/>
@@ -3269,53 +4186,47 @@
             </a:r>
             <a:r>
               <a:rPr lang="en-US" dirty="0"/>
-              <a:t> for </a:t>
-            </a:r>
-            <a:r>
-              <a:rPr lang="en-US" dirty="0" smtClean="0"/>
-              <a:t>KT coding </a:t>
-            </a:r>
-            <a:r>
-              <a:rPr lang="en-US" dirty="0"/>
-              <a:t>and understanding of concepts </a:t>
-            </a:r>
-            <a:r>
-              <a:rPr lang="en-US" dirty="0" smtClean="0"/>
-              <a:t>doubts</a:t>
+              <a:t> for KT coding and understanding of concepts doubts</a:t>
             </a:r>
           </a:p>
           <a:p>
             <a:pPr lvl="5"/>
             <a:r>
-              <a:rPr lang="en-US" dirty="0" smtClean="0"/>
+              <a:rPr lang="en-US" dirty="0"/>
               <a:t>Pradeep python automation code</a:t>
             </a:r>
           </a:p>
           <a:p>
             <a:pPr lvl="5"/>
             <a:r>
-              <a:rPr lang="en-US" dirty="0" smtClean="0"/>
+              <a:rPr lang="en-US" dirty="0"/>
               <a:t>Ganesh code and multiple automation of code</a:t>
             </a:r>
           </a:p>
           <a:p>
             <a:pPr lvl="5"/>
             <a:r>
-              <a:rPr lang="en-US" dirty="0" smtClean="0"/>
+              <a:rPr lang="en-US" dirty="0"/>
               <a:t>Moin for KT coding</a:t>
             </a:r>
+          </a:p>
+          <a:p>
+            <a:pPr lvl="6"/>
+            <a:r>
+              <a:rPr lang="en-US" dirty="0"/>
+              <a:t>Rashid code and utility and automation from UAT to UAT</a:t>
+            </a:r>
+          </a:p>
+          <a:p>
+            <a:pPr lvl="7"/>
+            <a:r>
+              <a:rPr lang="en-US" dirty="0"/>
+              <a:t>Expertise is Python, APIs, Django and Selenium Testing</a:t>
+            </a:r>
+          </a:p>
+          <a:p>
+            <a:pPr lvl="5"/>
             <a:endParaRPr lang="en-US" dirty="0"/>
-          </a:p>
-          <a:p>
-            <a:pPr lvl="5"/>
-            <a:r>
-              <a:rPr lang="en-US" dirty="0"/>
-              <a:t>Rashid code and utility and automation from UAT to UAT</a:t>
-            </a:r>
-          </a:p>
-          <a:p>
-            <a:pPr lvl="5"/>
-            <a:endParaRPr lang="en-US" dirty="0" smtClean="0"/>
           </a:p>
           <a:p>
             <a:pPr lvl="3"/>
@@ -3372,20 +4283,16 @@
           <a:lstStyle/>
           <a:p>
             <a:r>
-              <a:rPr lang="en-US" u="sng" dirty="0" smtClean="0"/>
+              <a:rPr lang="en-US" u="sng" dirty="0"/>
               <a:t>KT2</a:t>
             </a:r>
             <a:r>
-              <a:rPr lang="en-US" dirty="0" smtClean="0"/>
+              <a:rPr lang="en-US" dirty="0"/>
               <a:t>: </a:t>
             </a:r>
             <a:r>
-              <a:rPr lang="en-US" b="1" dirty="0" smtClean="0"/>
-              <a:t>EMDI </a:t>
-            </a:r>
-            <a:r>
-              <a:rPr lang="en-US" b="1" dirty="0" smtClean="0"/>
-              <a:t>/ MDI</a:t>
+              <a:rPr lang="en-US" b="1" dirty="0"/>
+              <a:t>EMDI / MDI</a:t>
             </a:r>
             <a:endParaRPr lang="en-IN" b="1" dirty="0"/>
           </a:p>
@@ -3409,31 +4316,31 @@
           <a:lstStyle/>
           <a:p>
             <a:r>
-              <a:rPr lang="en-US" dirty="0" smtClean="0"/>
+              <a:rPr lang="en-US" dirty="0"/>
               <a:t>Same data goes</a:t>
             </a:r>
           </a:p>
           <a:p>
-            <a:endParaRPr lang="en-US" dirty="0" smtClean="0"/>
-          </a:p>
-          <a:p>
-            <a:endParaRPr lang="en-US" dirty="0" smtClean="0"/>
-          </a:p>
-          <a:p>
-            <a:r>
-              <a:rPr lang="en-US" dirty="0" smtClean="0"/>
+            <a:endParaRPr lang="en-US" dirty="0"/>
+          </a:p>
+          <a:p>
+            <a:endParaRPr lang="en-US" dirty="0"/>
+          </a:p>
+          <a:p>
+            <a:r>
+              <a:rPr lang="en-US" dirty="0"/>
               <a:t>Encoding Technique – FAST protocol is used to encode EMDI/MDI Data</a:t>
             </a:r>
           </a:p>
           <a:p>
             <a:r>
-              <a:rPr lang="en-US" dirty="0" smtClean="0"/>
+              <a:rPr lang="en-US" dirty="0"/>
               <a:t>Massive we look MDI </a:t>
             </a:r>
           </a:p>
           <a:p>
             <a:r>
-              <a:rPr lang="en-US" dirty="0" smtClean="0"/>
+              <a:rPr lang="en-US" dirty="0"/>
               <a:t>Purpose: we send data to change to user</a:t>
             </a:r>
           </a:p>
@@ -3486,7 +4393,7 @@
                     <a:lstStyle/>
                     <a:p>
                       <a:r>
-                        <a:rPr lang="en-US" dirty="0" smtClean="0"/>
+                        <a:rPr lang="en-US" dirty="0"/>
                         <a:t>EMDI</a:t>
                       </a:r>
                       <a:endParaRPr lang="en-IN" dirty="0"/>
@@ -3500,7 +4407,7 @@
                     <a:lstStyle/>
                     <a:p>
                       <a:r>
-                        <a:rPr lang="en-US" dirty="0" smtClean="0"/>
+                        <a:rPr lang="en-US" dirty="0"/>
                         <a:t>MDI</a:t>
                       </a:r>
                       <a:endParaRPr lang="en-IN" dirty="0"/>
@@ -3538,7 +4445,7 @@
                         <a:defRPr/>
                       </a:pPr>
                       <a:r>
-                        <a:rPr lang="en-US" dirty="0" smtClean="0"/>
+                        <a:rPr lang="en-US" dirty="0"/>
                         <a:t>External Member Data</a:t>
                       </a:r>
                     </a:p>
@@ -3568,7 +4475,7 @@
                         <a:defRPr/>
                       </a:pPr>
                       <a:r>
-                        <a:rPr lang="en-US" dirty="0" smtClean="0"/>
+                        <a:rPr lang="en-US" dirty="0"/>
                         <a:t>MTS Internal Data</a:t>
                       </a:r>
                     </a:p>
@@ -3588,11 +4495,11 @@
                     <a:lstStyle/>
                     <a:p>
                       <a:r>
-                        <a:rPr lang="en-US" dirty="0" err="1" smtClean="0"/>
+                        <a:rPr lang="en-US" dirty="0" err="1"/>
                         <a:t>Enchanced</a:t>
                       </a:r>
                       <a:r>
-                        <a:rPr lang="en-US" dirty="0" smtClean="0"/>
+                        <a:rPr lang="en-US" dirty="0"/>
                         <a:t> Market Data Interface</a:t>
                       </a:r>
                       <a:endParaRPr lang="en-IN" dirty="0"/>
@@ -3606,7 +4513,7 @@
                     <a:lstStyle/>
                     <a:p>
                       <a:r>
-                        <a:rPr lang="en-US" dirty="0" smtClean="0"/>
+                        <a:rPr lang="en-US" dirty="0"/>
                         <a:t>Market Data Interface</a:t>
                       </a:r>
                       <a:endParaRPr lang="en-IN" dirty="0"/>
@@ -3634,13 +4541,6 @@
   <p:clrMapOvr>
     <a:masterClrMapping/>
   </p:clrMapOvr>
-  <p:timing>
-    <p:tnLst>
-      <p:par>
-        <p:cTn id="1" dur="indefinite" restart="never" nodeType="tmRoot"/>
-      </p:par>
-    </p:tnLst>
-  </p:timing>
 </p:sld>
 </file>
 
@@ -3687,51 +4587,51 @@
               <a:buNone/>
             </a:pPr>
             <a:r>
-              <a:rPr lang="en-US" sz="4000" b="1" dirty="0" smtClean="0"/>
+              <a:rPr lang="en-US" sz="4000" b="1" dirty="0"/>
               <a:t>Data comes in binary</a:t>
             </a:r>
           </a:p>
           <a:p>
             <a:r>
-              <a:rPr lang="en-US" dirty="0" smtClean="0"/>
+              <a:rPr lang="en-US" dirty="0"/>
               <a:t>Decode – Templates given</a:t>
             </a:r>
           </a:p>
           <a:p>
             <a:r>
-              <a:rPr lang="en-US" dirty="0" smtClean="0"/>
+              <a:rPr lang="en-US" dirty="0"/>
               <a:t>Steps to capture Data MDI-EMDI steps data:</a:t>
             </a:r>
           </a:p>
           <a:p>
             <a:r>
-              <a:rPr lang="en-US" dirty="0" smtClean="0"/>
+              <a:rPr lang="en-US" dirty="0"/>
               <a:t>Types of Messages:</a:t>
             </a:r>
           </a:p>
           <a:p>
             <a:pPr lvl="1"/>
             <a:r>
-              <a:rPr lang="en-US" dirty="0" smtClean="0"/>
+              <a:rPr lang="en-US" dirty="0"/>
               <a:t>If product state changes. We get msg.</a:t>
             </a:r>
           </a:p>
           <a:p>
             <a:pPr lvl="1"/>
             <a:r>
-              <a:rPr lang="en-US" dirty="0" smtClean="0"/>
+              <a:rPr lang="en-US" dirty="0"/>
               <a:t>If instrument state changes. We get Msg.</a:t>
             </a:r>
           </a:p>
           <a:p>
             <a:r>
-              <a:rPr lang="en-US" dirty="0" smtClean="0"/>
+              <a:rPr lang="en-US" dirty="0"/>
               <a:t>FAST protocol – To transmit the data over the Network. It uses XML files with format or structure which will broadcast the data accordingly.</a:t>
             </a:r>
           </a:p>
           <a:p>
             <a:r>
-              <a:rPr lang="en-US" dirty="0" smtClean="0"/>
+              <a:rPr lang="en-US" dirty="0"/>
               <a:t>By Internet take data from IP with reference to FAST structure data gets displayed.</a:t>
             </a:r>
             <a:endParaRPr lang="en-IN" dirty="0"/>
@@ -3748,13 +4648,6 @@
   <p:clrMapOvr>
     <a:masterClrMapping/>
   </p:clrMapOvr>
-  <p:timing>
-    <p:tnLst>
-      <p:par>
-        <p:cTn id="1" dur="indefinite" restart="never" nodeType="tmRoot"/>
-      </p:par>
-    </p:tnLst>
-  </p:timing>
 </p:sld>
 </file>
 
@@ -3791,7 +4684,7 @@
           <a:lstStyle/>
           <a:p>
             <a:r>
-              <a:rPr lang="en-US" b="1" dirty="0" smtClean="0"/>
+              <a:rPr lang="en-US" b="1" dirty="0"/>
               <a:t>Utility</a:t>
             </a:r>
             <a:endParaRPr lang="en-IN" b="1" dirty="0"/>
@@ -3814,45 +4707,37 @@
           <a:lstStyle/>
           <a:p>
             <a:r>
-              <a:rPr lang="en-US" dirty="0" smtClean="0"/>
+              <a:rPr lang="en-US" dirty="0"/>
               <a:t>1. Password Encryption</a:t>
             </a:r>
           </a:p>
           <a:p>
             <a:r>
-              <a:rPr lang="en-US" dirty="0" smtClean="0"/>
+              <a:rPr lang="en-US" dirty="0"/>
               <a:t>Excel read – pandas write open my excel</a:t>
             </a:r>
           </a:p>
           <a:p>
             <a:r>
-              <a:rPr lang="en-US" dirty="0" smtClean="0"/>
+              <a:rPr lang="en-US" dirty="0"/>
               <a:t>Socket – connection between server and client. To build connection.</a:t>
             </a:r>
           </a:p>
           <a:p>
             <a:r>
-              <a:rPr lang="en-US" dirty="0" smtClean="0"/>
+              <a:rPr lang="en-US" dirty="0"/>
               <a:t>Communication is TCP/IP protocol.</a:t>
             </a:r>
           </a:p>
           <a:p>
             <a:r>
-              <a:rPr lang="en-US" dirty="0" smtClean="0"/>
-              <a:t>Broadcast is Interfered, </a:t>
-            </a:r>
-            <a:r>
-              <a:rPr lang="en-US" dirty="0"/>
-              <a:t>E</a:t>
-            </a:r>
-            <a:r>
-              <a:rPr lang="en-US" dirty="0" smtClean="0"/>
-              <a:t>OBI EMDI, MDI are UDP protocol based.</a:t>
-            </a:r>
-          </a:p>
-          <a:p>
-            <a:r>
-              <a:rPr lang="en-US" dirty="0" smtClean="0"/>
+              <a:rPr lang="en-US" dirty="0"/>
+              <a:t>Broadcast is Interfered, EOBI EMDI, MDI are UDP protocol based.</a:t>
+            </a:r>
+          </a:p>
+          <a:p>
+            <a:r>
+              <a:rPr lang="en-US" dirty="0"/>
               <a:t>Network to Another Network data goes in packet in the form of byte data. This Entire data is called as byte stream.</a:t>
             </a:r>
           </a:p>
@@ -3868,13 +4753,6 @@
   <p:clrMapOvr>
     <a:masterClrMapping/>
   </p:clrMapOvr>
-  <p:timing>
-    <p:tnLst>
-      <p:par>
-        <p:cTn id="1" dur="indefinite" restart="never" nodeType="tmRoot"/>
-      </p:par>
-    </p:tnLst>
-  </p:timing>
 </p:sld>
 </file>
 
@@ -3911,7 +4789,7 @@
           <a:lstStyle/>
           <a:p>
             <a:r>
-              <a:rPr lang="en-US" b="1" dirty="0" smtClean="0"/>
+              <a:rPr lang="en-US" b="1" dirty="0"/>
               <a:t>Execution Flow</a:t>
             </a:r>
             <a:endParaRPr lang="en-IN" b="1" dirty="0"/>
@@ -3934,43 +4812,43 @@
           <a:lstStyle/>
           <a:p>
             <a:r>
-              <a:rPr lang="en-US" dirty="0" smtClean="0"/>
+              <a:rPr lang="en-US" dirty="0"/>
               <a:t>Gateway login</a:t>
             </a:r>
           </a:p>
           <a:p>
             <a:r>
-              <a:rPr lang="en-US" dirty="0" smtClean="0"/>
+              <a:rPr lang="en-US" dirty="0"/>
               <a:t>Create socket with retrieve</a:t>
             </a:r>
           </a:p>
           <a:p>
             <a:r>
-              <a:rPr lang="en-US" dirty="0" smtClean="0"/>
+              <a:rPr lang="en-US" dirty="0"/>
               <a:t>Read data from Excel</a:t>
             </a:r>
           </a:p>
           <a:p>
             <a:r>
-              <a:rPr lang="en-US" dirty="0" smtClean="0"/>
+              <a:rPr lang="en-US" dirty="0"/>
               <a:t>Convert the data to byte stream.</a:t>
             </a:r>
           </a:p>
           <a:p>
             <a:r>
-              <a:rPr lang="en-US" dirty="0" smtClean="0"/>
+              <a:rPr lang="en-US" dirty="0"/>
               <a:t>Send that data to server using socket.</a:t>
             </a:r>
           </a:p>
           <a:p>
             <a:r>
-              <a:rPr lang="en-US" dirty="0" smtClean="0"/>
+              <a:rPr lang="en-US" dirty="0"/>
               <a:t>Then retrieving the difference from </a:t>
             </a:r>
           </a:p>
           <a:p>
             <a:r>
-              <a:rPr lang="en-US" dirty="0" smtClean="0"/>
+              <a:rPr lang="en-US" dirty="0"/>
               <a:t>Decode the data of per retrieval for all remaining request / response</a:t>
             </a:r>
             <a:endParaRPr lang="en-IN" dirty="0"/>
@@ -3987,13 +4865,6 @@
   <p:clrMapOvr>
     <a:masterClrMapping/>
   </p:clrMapOvr>
-  <p:timing>
-    <p:tnLst>
-      <p:par>
-        <p:cTn id="1" dur="indefinite" restart="never" nodeType="tmRoot"/>
-      </p:par>
-    </p:tnLst>
-  </p:timing>
 </p:sld>
 </file>
 
@@ -4030,7 +4901,7 @@
           <a:lstStyle/>
           <a:p>
             <a:r>
-              <a:rPr lang="en-US" dirty="0" smtClean="0"/>
+              <a:rPr lang="en-US" dirty="0"/>
               <a:t>KT3</a:t>
             </a:r>
             <a:endParaRPr lang="en-IN" dirty="0"/>
@@ -4060,120 +4931,110 @@
           <a:lstStyle/>
           <a:p>
             <a:r>
-              <a:rPr lang="en-US" dirty="0" smtClean="0"/>
+              <a:rPr lang="en-US" dirty="0"/>
               <a:t>Bulk Upload the scripts</a:t>
             </a:r>
           </a:p>
           <a:p>
             <a:r>
-              <a:rPr lang="en-US" dirty="0" smtClean="0"/>
+              <a:rPr lang="en-US" dirty="0"/>
               <a:t>API Automation</a:t>
             </a:r>
           </a:p>
           <a:p>
             <a:r>
-              <a:rPr lang="en-US" dirty="0" smtClean="0"/>
-              <a:t>What is </a:t>
-            </a:r>
-            <a:r>
-              <a:rPr lang="en-US" dirty="0"/>
-              <a:t>K</a:t>
-            </a:r>
-            <a:r>
-              <a:rPr lang="en-US" dirty="0" smtClean="0"/>
-              <a:t>afka?</a:t>
-            </a:r>
-          </a:p>
-          <a:p>
-            <a:r>
-              <a:rPr lang="en-US" dirty="0" smtClean="0"/>
+              <a:rPr lang="en-US" dirty="0"/>
+              <a:t>What is Kafka?</a:t>
+            </a:r>
+          </a:p>
+          <a:p>
+            <a:r>
+              <a:rPr lang="en-US" dirty="0"/>
               <a:t>DB performance of millions of records</a:t>
             </a:r>
           </a:p>
           <a:p>
             <a:r>
-              <a:rPr lang="en-US" dirty="0" smtClean="0"/>
+              <a:rPr lang="en-US" dirty="0"/>
               <a:t>Create a Dashboard </a:t>
             </a:r>
           </a:p>
           <a:p>
             <a:pPr lvl="1"/>
             <a:r>
-              <a:rPr lang="en-US" dirty="0" smtClean="0"/>
+              <a:rPr lang="en-US" dirty="0"/>
               <a:t>Unit test </a:t>
             </a:r>
           </a:p>
           <a:p>
             <a:pPr lvl="1"/>
             <a:r>
-              <a:rPr lang="en-US" dirty="0" smtClean="0"/>
+              <a:rPr lang="en-US" dirty="0"/>
               <a:t>Single Reports</a:t>
             </a:r>
           </a:p>
           <a:p>
             <a:pPr lvl="1"/>
             <a:r>
-              <a:rPr lang="en-US" dirty="0" smtClean="0"/>
+              <a:rPr lang="en-US" dirty="0"/>
               <a:t>Web Application</a:t>
             </a:r>
           </a:p>
           <a:p>
             <a:pPr lvl="1"/>
             <a:r>
-              <a:rPr lang="en-US" dirty="0" smtClean="0"/>
+              <a:rPr lang="en-US" dirty="0"/>
               <a:t>12 crores of records</a:t>
             </a:r>
           </a:p>
           <a:p>
             <a:pPr lvl="1"/>
             <a:r>
-              <a:rPr lang="en-US" dirty="0" smtClean="0"/>
+              <a:rPr lang="en-US" dirty="0"/>
               <a:t>SFTP connection</a:t>
             </a:r>
           </a:p>
           <a:p>
             <a:pPr lvl="1"/>
             <a:r>
-              <a:rPr lang="en-US" dirty="0" smtClean="0"/>
+              <a:rPr lang="en-US" dirty="0"/>
               <a:t>Report types:</a:t>
             </a:r>
           </a:p>
           <a:p>
             <a:pPr lvl="2"/>
             <a:r>
-              <a:rPr lang="en-US" dirty="0" smtClean="0"/>
+              <a:rPr lang="en-US" dirty="0"/>
               <a:t>Weekly </a:t>
             </a:r>
           </a:p>
           <a:p>
             <a:pPr lvl="2"/>
             <a:r>
-              <a:rPr lang="en-US" dirty="0" smtClean="0"/>
+              <a:rPr lang="en-US" dirty="0"/>
               <a:t>Monthly</a:t>
             </a:r>
-            <a:endParaRPr lang="en-US" dirty="0"/>
           </a:p>
           <a:p>
             <a:pPr lvl="1"/>
             <a:r>
-              <a:rPr lang="en-US" dirty="0" smtClean="0"/>
+              <a:rPr lang="en-US" dirty="0"/>
               <a:t>Test Result Types:	</a:t>
             </a:r>
           </a:p>
           <a:p>
             <a:pPr lvl="2"/>
             <a:r>
-              <a:rPr lang="en-US" dirty="0" smtClean="0"/>
+              <a:rPr lang="en-US" dirty="0"/>
               <a:t>Warnings</a:t>
             </a:r>
           </a:p>
           <a:p>
             <a:pPr lvl="2"/>
             <a:r>
-              <a:rPr lang="en-US" dirty="0" smtClean="0"/>
+              <a:rPr lang="en-US" dirty="0"/>
               <a:t>Pass/Fail</a:t>
             </a:r>
-            <a:endParaRPr lang="en-US" dirty="0"/>
           </a:p>
         </p:txBody>
       </p:sp>
@@ -4224,14 +5085,10 @@
           <a:p>
             <a:r>
               <a:rPr lang="en-US" dirty="0"/>
-              <a:t>KT </a:t>
-            </a:r>
-            <a:r>
-              <a:rPr lang="en-US" dirty="0" smtClean="0"/>
-              <a:t>4: </a:t>
-            </a:r>
-            <a:r>
-              <a:rPr lang="en-US" b="1" dirty="0" smtClean="0"/>
+              <a:t>KT 4: </a:t>
+            </a:r>
+            <a:r>
+              <a:rPr lang="en-US" b="1" dirty="0"/>
               <a:t>Code</a:t>
             </a:r>
             <a:endParaRPr lang="en-IN" b="1" dirty="0"/>
@@ -4256,43 +5113,39 @@
           <a:lstStyle/>
           <a:p>
             <a:r>
-              <a:rPr lang="en-US" dirty="0" smtClean="0"/>
+              <a:rPr lang="en-US" dirty="0"/>
               <a:t>Code understanding:</a:t>
             </a:r>
           </a:p>
           <a:p>
             <a:r>
-              <a:rPr lang="en-US" dirty="0" smtClean="0"/>
+              <a:rPr lang="en-US" dirty="0"/>
               <a:t>Global </a:t>
             </a:r>
             <a:r>
-              <a:rPr lang="en-US" dirty="0" err="1" smtClean="0"/>
+              <a:rPr lang="en-US" dirty="0" err="1"/>
               <a:t>noOfResponses</a:t>
             </a:r>
             <a:r>
-              <a:rPr lang="en-US" dirty="0" smtClean="0"/>
+              <a:rPr lang="en-US" dirty="0"/>
               <a:t> = 2</a:t>
             </a:r>
           </a:p>
           <a:p>
             <a:r>
-              <a:rPr lang="en-US" dirty="0" smtClean="0"/>
+              <a:rPr lang="en-US" dirty="0"/>
               <a:t>Libraries used: </a:t>
             </a:r>
           </a:p>
           <a:p>
             <a:pPr lvl="1"/>
             <a:r>
-              <a:rPr lang="en-US" dirty="0" err="1" smtClean="0"/>
+              <a:rPr lang="en-US" dirty="0" err="1"/>
               <a:t>openpyxl</a:t>
             </a:r>
             <a:r>
-              <a:rPr lang="en-US" dirty="0" smtClean="0"/>
-              <a:t> </a:t>
-            </a:r>
-            <a:r>
-              <a:rPr lang="en-US" dirty="0"/>
-              <a:t>is a Python library to read/write Excel 2010 </a:t>
+              <a:rPr lang="en-US" dirty="0"/>
+              <a:t> is a Python library to read/write Excel 2010 </a:t>
             </a:r>
             <a:r>
               <a:rPr lang="en-US" dirty="0" err="1"/>
@@ -4326,32 +5179,31 @@
               <a:rPr lang="en-US" dirty="0"/>
               <a:t> files</a:t>
             </a:r>
-            <a:endParaRPr lang="en-US" dirty="0" smtClean="0"/>
           </a:p>
           <a:p>
             <a:pPr lvl="2"/>
             <a:r>
-              <a:rPr lang="en-US" dirty="0" err="1" smtClean="0"/>
+              <a:rPr lang="en-US" dirty="0" err="1"/>
               <a:t>openxyxl.styles</a:t>
             </a:r>
             <a:r>
-              <a:rPr lang="en-US" dirty="0" smtClean="0"/>
+              <a:rPr lang="en-US" dirty="0"/>
               <a:t> </a:t>
             </a:r>
             <a:r>
-              <a:rPr lang="en-US" dirty="0" err="1" smtClean="0"/>
+              <a:rPr lang="en-US" dirty="0" err="1"/>
               <a:t>PatternFill</a:t>
             </a:r>
-            <a:endParaRPr lang="en-US" dirty="0" smtClean="0"/>
+            <a:endParaRPr lang="en-US" dirty="0"/>
           </a:p>
           <a:p>
             <a:pPr lvl="1"/>
             <a:r>
-              <a:rPr lang="en-US" dirty="0" err="1" smtClean="0"/>
+              <a:rPr lang="en-US" dirty="0" err="1"/>
               <a:t>Simplefix</a:t>
             </a:r>
             <a:r>
-              <a:rPr lang="en-US" dirty="0" smtClean="0"/>
+              <a:rPr lang="en-US" dirty="0"/>
               <a:t> library : </a:t>
             </a:r>
             <a:r>
@@ -4370,69 +5222,74 @@
             </a:r>
             <a:r>
               <a:rPr lang="en-US" dirty="0"/>
-              <a:t>) Protocol is a widely-used, text-based protocol for interaction between parties in financial trading. Banks, brokers, clearing firms, exchanges, and other general market participants use FIX protocol for all phases of electronic trading</a:t>
-            </a:r>
-            <a:r>
-              <a:rPr lang="en-US" dirty="0" smtClean="0"/>
-              <a:t>.</a:t>
+              <a:t>) Protocol is a widely-used, text-based protocol for interaction between parties in financial trading. Banks, brokers, clearing firms, exchanges, and other general market participants use FIX protocol for all phases of electronic trading.</a:t>
             </a:r>
           </a:p>
           <a:p>
             <a:pPr lvl="1"/>
             <a:r>
-              <a:rPr lang="en-US" dirty="0" smtClean="0"/>
+              <a:rPr lang="en-US" dirty="0"/>
               <a:t>Warnings: </a:t>
             </a:r>
           </a:p>
           <a:p>
             <a:r>
-              <a:rPr lang="en-US" dirty="0" err="1" smtClean="0"/>
+              <a:rPr lang="en-US" dirty="0" err="1"/>
               <a:t>Env</a:t>
             </a:r>
             <a:r>
-              <a:rPr lang="en-US" dirty="0" smtClean="0"/>
+              <a:rPr lang="en-US" dirty="0"/>
               <a:t> used: </a:t>
             </a:r>
           </a:p>
           <a:p>
             <a:pPr lvl="1"/>
             <a:r>
-              <a:rPr lang="en-US" dirty="0" smtClean="0"/>
+              <a:rPr lang="en-US" dirty="0"/>
               <a:t>MAT MATA</a:t>
             </a:r>
           </a:p>
           <a:p>
             <a:pPr lvl="1"/>
             <a:r>
-              <a:rPr lang="en-US" dirty="0" smtClean="0"/>
+              <a:rPr lang="en-US" dirty="0"/>
               <a:t>UAT</a:t>
             </a:r>
           </a:p>
           <a:p>
             <a:pPr lvl="1"/>
             <a:r>
-              <a:rPr lang="en-US" dirty="0" smtClean="0"/>
+              <a:rPr lang="en-US" dirty="0"/>
               <a:t>NFR NFRA</a:t>
             </a:r>
           </a:p>
           <a:p>
             <a:pPr lvl="1"/>
             <a:r>
-              <a:rPr lang="en-US" dirty="0" smtClean="0"/>
-              <a:t>UAT2 UAT2A</a:t>
-            </a:r>
+              <a:rPr lang="en-US" dirty="0"/>
+              <a:t>UAT2 UAT2A </a:t>
+            </a:r>
+            <a:r>
+              <a:rPr lang="en-US" sz="2000" dirty="0">
+                <a:effectLst/>
+                <a:latin typeface="Calibri" panose="020F0502020204030204" pitchFamily="34" charset="0"/>
+                <a:ea typeface="Aptos"/>
+              </a:rPr>
+              <a:t>Pre prod Environment  PGL UAT </a:t>
+            </a:r>
+            <a:endParaRPr lang="en-US" dirty="0"/>
           </a:p>
           <a:p>
             <a:pPr lvl="1"/>
             <a:r>
-              <a:rPr lang="en-US" dirty="0" smtClean="0"/>
+              <a:rPr lang="en-US" dirty="0"/>
               <a:t>MOCKDR MOCKDRA</a:t>
             </a:r>
           </a:p>
           <a:p>
             <a:pPr lvl="1"/>
             <a:r>
-              <a:rPr lang="en-US" dirty="0" smtClean="0"/>
+              <a:rPr lang="en-US" dirty="0"/>
               <a:t>MOCKDC MOCKDCA</a:t>
             </a:r>
           </a:p>
@@ -4448,13 +5305,6 @@
   <p:clrMapOvr>
     <a:masterClrMapping/>
   </p:clrMapOvr>
-  <p:timing>
-    <p:tnLst>
-      <p:par>
-        <p:cTn id="1" dur="indefinite" restart="never" nodeType="tmRoot"/>
-      </p:par>
-    </p:tnLst>
-  </p:timing>
 </p:sld>
 </file>
 
@@ -4485,184 +5335,587 @@
             <p:ph type="title"/>
           </p:nvPr>
         </p:nvSpPr>
-        <p:spPr/>
-        <p:txBody>
-          <a:bodyPr/>
-          <a:lstStyle/>
-          <a:p>
-            <a:r>
-              <a:rPr lang="en-US" b="1" dirty="0" smtClean="0"/>
-              <a:t>Sheet names:</a:t>
+        <p:spPr>
+          <a:xfrm>
+            <a:off x="13854" y="0"/>
+            <a:ext cx="10515600" cy="604693"/>
+          </a:xfrm>
+        </p:spPr>
+        <p:txBody>
+          <a:bodyPr>
+            <a:normAutofit fontScale="90000"/>
+          </a:bodyPr>
+          <a:lstStyle/>
+          <a:p>
+            <a:r>
+              <a:rPr lang="en-US" dirty="0"/>
+              <a:t>KT 5: </a:t>
+            </a:r>
+            <a:r>
+              <a:rPr lang="en-US" b="1" dirty="0"/>
+              <a:t>Application KT</a:t>
             </a:r>
             <a:endParaRPr lang="en-IN" b="1" dirty="0"/>
           </a:p>
         </p:txBody>
       </p:sp>
-      <p:sp>
-        <p:nvSpPr>
-          <p:cNvPr id="3" name="Content Placeholder 2"/>
-          <p:cNvSpPr>
-            <a:spLocks noGrp="1"/>
-          </p:cNvSpPr>
+      <p:graphicFrame>
+        <p:nvGraphicFramePr>
+          <p:cNvPr id="4" name="Content Placeholder 3">
+            <a:extLst>
+              <a:ext uri="{FF2B5EF4-FFF2-40B4-BE49-F238E27FC236}">
+                <a16:creationId xmlns:a16="http://schemas.microsoft.com/office/drawing/2014/main" id="{9BF29F13-B7C1-90FA-DA4D-417E2D065E96}"/>
+              </a:ext>
+            </a:extLst>
+          </p:cNvPr>
+          <p:cNvGraphicFramePr>
+            <a:graphicFrameLocks noGrp="1"/>
+          </p:cNvGraphicFramePr>
           <p:nvPr>
             <p:ph idx="1"/>
-          </p:nvPr>
-        </p:nvSpPr>
-        <p:spPr/>
-        <p:txBody>
-          <a:bodyPr>
-            <a:normAutofit fontScale="92500" lnSpcReduction="20000"/>
-          </a:bodyPr>
-          <a:lstStyle/>
-          <a:p>
-            <a:r>
-              <a:rPr lang="en-US" dirty="0" smtClean="0"/>
-              <a:t>0. Order Data</a:t>
-            </a:r>
-          </a:p>
-          <a:p>
-            <a:r>
-              <a:rPr lang="en-US" dirty="0" smtClean="0"/>
-              <a:t>1. Gateway </a:t>
-            </a:r>
-            <a:r>
-              <a:rPr lang="en-US" dirty="0"/>
-              <a:t>Connection [2:14]</a:t>
-            </a:r>
-            <a:endParaRPr lang="en-US" dirty="0" smtClean="0"/>
-          </a:p>
-          <a:p>
-            <a:r>
-              <a:rPr lang="en-US" dirty="0" smtClean="0"/>
-              <a:t>3</a:t>
-            </a:r>
-            <a:r>
-              <a:rPr lang="en-US" dirty="0"/>
-              <a:t>. Reading Session </a:t>
-            </a:r>
-            <a:r>
-              <a:rPr lang="en-US" u="sng" dirty="0"/>
-              <a:t>Gateway Connection </a:t>
-            </a:r>
-            <a:r>
-              <a:rPr lang="en-US" dirty="0"/>
-              <a:t>Data [8:24]</a:t>
-            </a:r>
-            <a:endParaRPr lang="en-US" dirty="0" smtClean="0"/>
-          </a:p>
-          <a:p>
-            <a:r>
-              <a:rPr lang="en-US" dirty="0"/>
-              <a:t>5. Reading </a:t>
-            </a:r>
-            <a:r>
-              <a:rPr lang="en-US" u="sng" dirty="0"/>
-              <a:t>Session Logon </a:t>
-            </a:r>
-            <a:r>
-              <a:rPr lang="en-US" dirty="0" smtClean="0"/>
-              <a:t>Data</a:t>
-            </a:r>
-            <a:endParaRPr lang="en-US" dirty="0"/>
-          </a:p>
-          <a:p>
-            <a:r>
-              <a:rPr lang="en-US" dirty="0"/>
-              <a:t>11. Reading </a:t>
-            </a:r>
-            <a:r>
-              <a:rPr lang="en-US" u="sng" dirty="0"/>
-              <a:t>User Logon</a:t>
-            </a:r>
-            <a:r>
-              <a:rPr lang="en-US" dirty="0"/>
-              <a:t> </a:t>
-            </a:r>
-            <a:r>
-              <a:rPr lang="en-US" dirty="0" smtClean="0"/>
-              <a:t>Data</a:t>
-            </a:r>
-          </a:p>
-          <a:p>
-            <a:r>
-              <a:rPr lang="en-US" dirty="0" smtClean="0"/>
-              <a:t>7, 8, 9</a:t>
-            </a:r>
-            <a:r>
-              <a:rPr lang="en-US" dirty="0"/>
-              <a:t>. Reading </a:t>
-            </a:r>
-            <a:r>
-              <a:rPr lang="en-US" u="sng" dirty="0"/>
-              <a:t>Subscription</a:t>
-            </a:r>
-            <a:r>
-              <a:rPr lang="en-US" dirty="0"/>
-              <a:t> </a:t>
-            </a:r>
-            <a:r>
-              <a:rPr lang="en-US" dirty="0" smtClean="0"/>
-              <a:t>Data</a:t>
-            </a:r>
-          </a:p>
-          <a:p>
-            <a:r>
-              <a:rPr lang="en-US" dirty="0" smtClean="0"/>
-              <a:t>13. </a:t>
-            </a:r>
-            <a:r>
-              <a:rPr lang="en-US" u="sng" dirty="0" smtClean="0"/>
-              <a:t>Session Logout</a:t>
-            </a:r>
-          </a:p>
-          <a:p>
-            <a:r>
-              <a:rPr lang="en-US" dirty="0" smtClean="0"/>
-              <a:t>15. </a:t>
-            </a:r>
-            <a:r>
-              <a:rPr lang="en-US" u="sng" dirty="0" smtClean="0"/>
-              <a:t>Heart beat</a:t>
-            </a:r>
-          </a:p>
-          <a:p>
-            <a:r>
-              <a:rPr lang="en-US" dirty="0"/>
-              <a:t>Reading </a:t>
-            </a:r>
-            <a:r>
-              <a:rPr lang="en-US" u="sng" dirty="0"/>
-              <a:t>Other API </a:t>
-            </a:r>
-            <a:r>
-              <a:rPr lang="en-US" dirty="0"/>
-              <a:t>to be </a:t>
-            </a:r>
-            <a:r>
-              <a:rPr lang="en-US" dirty="0" smtClean="0"/>
-              <a:t>tested</a:t>
-            </a:r>
-          </a:p>
-          <a:p>
-            <a:r>
-              <a:rPr lang="en-IN" dirty="0"/>
-              <a:t>Reading </a:t>
-            </a:r>
-            <a:r>
-              <a:rPr lang="en-IN" u="sng" dirty="0"/>
-              <a:t>pack/unpack</a:t>
-            </a:r>
-            <a:r>
-              <a:rPr lang="en-IN" dirty="0"/>
-              <a:t> format data</a:t>
-            </a:r>
-          </a:p>
-        </p:txBody>
-      </p:sp>
+            <p:extLst>
+              <p:ext uri="{D42A27DB-BD31-4B8C-83A1-F6EECF244321}">
+                <p14:modId xmlns:p14="http://schemas.microsoft.com/office/powerpoint/2010/main" val="1826010733"/>
+              </p:ext>
+            </p:extLst>
+          </p:nvPr>
+        </p:nvGraphicFramePr>
+        <p:xfrm>
+          <a:off x="13854" y="604693"/>
+          <a:ext cx="12192000" cy="6253307"/>
+        </p:xfrm>
+        <a:graphic>
+          <a:graphicData uri="http://schemas.openxmlformats.org/drawingml/2006/table">
+            <a:tbl>
+              <a:tblPr firstRow="1" bandRow="1">
+                <a:tableStyleId>{5C22544A-7EE6-4342-B048-85BDC9FD1C3A}</a:tableStyleId>
+              </a:tblPr>
+              <a:tblGrid>
+                <a:gridCol w="3105150">
+                  <a:extLst>
+                    <a:ext uri="{9D8B030D-6E8A-4147-A177-3AD203B41FA5}">
+                      <a16:colId xmlns:a16="http://schemas.microsoft.com/office/drawing/2014/main" val="516033277"/>
+                    </a:ext>
+                  </a:extLst>
+                </a:gridCol>
+                <a:gridCol w="2266950">
+                  <a:extLst>
+                    <a:ext uri="{9D8B030D-6E8A-4147-A177-3AD203B41FA5}">
+                      <a16:colId xmlns:a16="http://schemas.microsoft.com/office/drawing/2014/main" val="1268992433"/>
+                    </a:ext>
+                  </a:extLst>
+                </a:gridCol>
+                <a:gridCol w="2516786">
+                  <a:extLst>
+                    <a:ext uri="{9D8B030D-6E8A-4147-A177-3AD203B41FA5}">
+                      <a16:colId xmlns:a16="http://schemas.microsoft.com/office/drawing/2014/main" val="3572672676"/>
+                    </a:ext>
+                  </a:extLst>
+                </a:gridCol>
+                <a:gridCol w="2151557">
+                  <a:extLst>
+                    <a:ext uri="{9D8B030D-6E8A-4147-A177-3AD203B41FA5}">
+                      <a16:colId xmlns:a16="http://schemas.microsoft.com/office/drawing/2014/main" val="1606865271"/>
+                    </a:ext>
+                  </a:extLst>
+                </a:gridCol>
+                <a:gridCol w="2151557">
+                  <a:extLst>
+                    <a:ext uri="{9D8B030D-6E8A-4147-A177-3AD203B41FA5}">
+                      <a16:colId xmlns:a16="http://schemas.microsoft.com/office/drawing/2014/main" val="4021613804"/>
+                    </a:ext>
+                  </a:extLst>
+                </a:gridCol>
+              </a:tblGrid>
+              <a:tr h="403439">
+                <a:tc>
+                  <a:txBody>
+                    <a:bodyPr/>
+                    <a:lstStyle/>
+                    <a:p>
+                      <a:r>
+                        <a:rPr lang="en-US" dirty="0"/>
+                        <a:t>MTS</a:t>
+                      </a:r>
+                      <a:endParaRPr lang="en-IN" dirty="0"/>
+                    </a:p>
+                  </a:txBody>
+                  <a:tcPr/>
+                </a:tc>
+                <a:tc>
+                  <a:txBody>
+                    <a:bodyPr/>
+                    <a:lstStyle/>
+                    <a:p>
+                      <a:r>
+                        <a:rPr lang="en-US" dirty="0"/>
+                        <a:t>MCS</a:t>
+                      </a:r>
+                      <a:endParaRPr lang="en-IN" dirty="0"/>
+                    </a:p>
+                  </a:txBody>
+                  <a:tcPr/>
+                </a:tc>
+                <a:tc>
+                  <a:txBody>
+                    <a:bodyPr/>
+                    <a:lstStyle/>
+                    <a:p>
+                      <a:r>
+                        <a:rPr lang="en-US" dirty="0"/>
+                        <a:t>Bancs</a:t>
+                      </a:r>
+                      <a:endParaRPr lang="en-IN" dirty="0"/>
+                    </a:p>
+                  </a:txBody>
+                  <a:tcPr/>
+                </a:tc>
+                <a:tc>
+                  <a:txBody>
+                    <a:bodyPr/>
+                    <a:lstStyle/>
+                    <a:p>
+                      <a:r>
+                        <a:rPr lang="en-US" dirty="0"/>
+                        <a:t>T7</a:t>
+                      </a:r>
+                      <a:endParaRPr lang="en-IN" dirty="0"/>
+                    </a:p>
+                  </a:txBody>
+                  <a:tcPr/>
+                </a:tc>
+                <a:tc>
+                  <a:txBody>
+                    <a:bodyPr/>
+                    <a:lstStyle/>
+                    <a:p>
+                      <a:r>
+                        <a:rPr lang="en-US" dirty="0"/>
+                        <a:t>TG</a:t>
+                      </a:r>
+                      <a:endParaRPr lang="en-IN" dirty="0"/>
+                    </a:p>
+                  </a:txBody>
+                  <a:tcPr/>
+                </a:tc>
+                <a:extLst>
+                  <a:ext uri="{0D108BD9-81ED-4DB2-BD59-A6C34878D82A}">
+                    <a16:rowId xmlns:a16="http://schemas.microsoft.com/office/drawing/2014/main" val="3864223180"/>
+                  </a:ext>
+                </a:extLst>
+              </a:tr>
+              <a:tr h="1613757">
+                <a:tc>
+                  <a:txBody>
+                    <a:bodyPr/>
+                    <a:lstStyle/>
+                    <a:p>
+                      <a:r>
+                        <a:rPr lang="en-US" dirty="0"/>
+                        <a:t>Used for trade </a:t>
+                      </a:r>
+                      <a:r>
+                        <a:rPr lang="en-US" sz="1800" kern="1200" dirty="0">
+                          <a:solidFill>
+                            <a:schemeClr val="dk1"/>
+                          </a:solidFill>
+                          <a:latin typeface="+mn-lt"/>
+                          <a:ea typeface="+mn-ea"/>
+                          <a:cs typeface="+mn-cs"/>
+                        </a:rPr>
+                        <a:t>placement</a:t>
+                      </a:r>
+                      <a:endParaRPr lang="en-IN" sz="1800" kern="1200" dirty="0">
+                        <a:solidFill>
+                          <a:schemeClr val="dk1"/>
+                        </a:solidFill>
+                        <a:latin typeface="+mn-lt"/>
+                        <a:ea typeface="+mn-ea"/>
+                        <a:cs typeface="+mn-cs"/>
+                      </a:endParaRPr>
+                    </a:p>
+                  </a:txBody>
+                  <a:tcPr/>
+                </a:tc>
+                <a:tc>
+                  <a:txBody>
+                    <a:bodyPr/>
+                    <a:lstStyle/>
+                    <a:p>
+                      <a:r>
+                        <a:rPr lang="en-US" dirty="0"/>
+                        <a:t>Used for Member Login</a:t>
+                      </a:r>
+                      <a:endParaRPr lang="en-IN" dirty="0"/>
+                    </a:p>
+                  </a:txBody>
+                  <a:tcPr/>
+                </a:tc>
+                <a:tc>
+                  <a:txBody>
+                    <a:bodyPr/>
+                    <a:lstStyle/>
+                    <a:p>
+                      <a:r>
+                        <a:rPr lang="en-US" dirty="0"/>
+                        <a:t>Made for Clients developed by </a:t>
+                      </a:r>
+                      <a:r>
+                        <a:rPr lang="en-US" dirty="0" err="1"/>
+                        <a:t>Deutiche</a:t>
+                      </a:r>
+                      <a:r>
+                        <a:rPr lang="en-US" dirty="0"/>
+                        <a:t> Groups </a:t>
+                      </a:r>
+                      <a:r>
+                        <a:rPr lang="en-US" dirty="0" err="1"/>
+                        <a:t>Borse</a:t>
+                      </a:r>
+                      <a:endParaRPr lang="en-IN" dirty="0"/>
+                    </a:p>
+                  </a:txBody>
+                  <a:tcPr/>
+                </a:tc>
+                <a:tc>
+                  <a:txBody>
+                    <a:bodyPr/>
+                    <a:lstStyle/>
+                    <a:p>
+                      <a:r>
+                        <a:rPr lang="en-US" dirty="0"/>
+                        <a:t>Provides Trade Burns for gold and silver developed by </a:t>
+                      </a:r>
+                      <a:r>
+                        <a:rPr lang="en-US" dirty="0" err="1"/>
+                        <a:t>Deutiche</a:t>
+                      </a:r>
+                      <a:r>
+                        <a:rPr lang="en-US" dirty="0"/>
+                        <a:t> Groups </a:t>
+                      </a:r>
+                      <a:r>
+                        <a:rPr lang="en-US" dirty="0" err="1"/>
+                        <a:t>Borse</a:t>
+                      </a:r>
+                      <a:endParaRPr lang="en-IN" dirty="0"/>
+                    </a:p>
+                  </a:txBody>
+                  <a:tcPr/>
+                </a:tc>
+                <a:tc>
+                  <a:txBody>
+                    <a:bodyPr/>
+                    <a:lstStyle/>
+                    <a:p>
+                      <a:r>
+                        <a:rPr lang="en-US" dirty="0"/>
+                        <a:t>1 user order: old / new</a:t>
+                      </a:r>
+                      <a:endParaRPr lang="en-IN" dirty="0"/>
+                    </a:p>
+                  </a:txBody>
+                  <a:tcPr/>
+                </a:tc>
+                <a:extLst>
+                  <a:ext uri="{0D108BD9-81ED-4DB2-BD59-A6C34878D82A}">
+                    <a16:rowId xmlns:a16="http://schemas.microsoft.com/office/drawing/2014/main" val="1346340784"/>
+                  </a:ext>
+                </a:extLst>
+              </a:tr>
+              <a:tr h="1008598">
+                <a:tc>
+                  <a:txBody>
+                    <a:bodyPr/>
+                    <a:lstStyle/>
+                    <a:p>
+                      <a:r>
+                        <a:rPr lang="en-US" dirty="0"/>
+                        <a:t>INS Trade information is given</a:t>
+                      </a:r>
+                      <a:endParaRPr lang="en-IN" dirty="0"/>
+                    </a:p>
+                  </a:txBody>
+                  <a:tcPr/>
+                </a:tc>
+                <a:tc>
+                  <a:txBody>
+                    <a:bodyPr/>
+                    <a:lstStyle/>
+                    <a:p>
+                      <a:r>
+                        <a:rPr lang="en-US" dirty="0"/>
+                        <a:t>Only for Reports generation</a:t>
+                      </a:r>
+                      <a:endParaRPr lang="en-IN" dirty="0"/>
+                    </a:p>
+                  </a:txBody>
+                  <a:tcPr/>
+                </a:tc>
+                <a:tc>
+                  <a:txBody>
+                    <a:bodyPr/>
+                    <a:lstStyle/>
+                    <a:p>
+                      <a:r>
+                        <a:rPr lang="en-US" dirty="0"/>
+                        <a:t>Status: Query Trade &amp; Query Give ups/Take ups types</a:t>
+                      </a:r>
+                      <a:endParaRPr lang="en-IN" dirty="0"/>
+                    </a:p>
+                  </a:txBody>
+                  <a:tcPr/>
+                </a:tc>
+                <a:tc>
+                  <a:txBody>
+                    <a:bodyPr/>
+                    <a:lstStyle/>
+                    <a:p>
+                      <a:r>
+                        <a:rPr lang="en-US" dirty="0"/>
+                        <a:t>Price exchange</a:t>
+                      </a:r>
+                      <a:endParaRPr lang="en-IN" dirty="0"/>
+                    </a:p>
+                  </a:txBody>
+                  <a:tcPr/>
+                </a:tc>
+                <a:tc>
+                  <a:txBody>
+                    <a:bodyPr/>
+                    <a:lstStyle/>
+                    <a:p>
+                      <a:r>
+                        <a:rPr lang="en-US" dirty="0"/>
+                        <a:t>Multiple user multiple orders</a:t>
+                      </a:r>
+                      <a:endParaRPr lang="en-IN" dirty="0"/>
+                    </a:p>
+                  </a:txBody>
+                  <a:tcPr/>
+                </a:tc>
+                <a:extLst>
+                  <a:ext uri="{0D108BD9-81ED-4DB2-BD59-A6C34878D82A}">
+                    <a16:rowId xmlns:a16="http://schemas.microsoft.com/office/drawing/2014/main" val="3816031950"/>
+                  </a:ext>
+                </a:extLst>
+              </a:tr>
+              <a:tr h="1311177">
+                <a:tc>
+                  <a:txBody>
+                    <a:bodyPr/>
+                    <a:lstStyle/>
+                    <a:p>
+                      <a:r>
+                        <a:rPr lang="en-US" dirty="0"/>
+                        <a:t>Reports: </a:t>
+                      </a:r>
+                      <a:r>
+                        <a:rPr lang="en-IN" sz="1800" kern="1200" dirty="0">
+                          <a:solidFill>
+                            <a:schemeClr val="dk1"/>
+                          </a:solidFill>
+                          <a:effectLst/>
+                          <a:latin typeface="+mn-lt"/>
+                          <a:ea typeface="+mn-ea"/>
+                          <a:cs typeface="+mn-cs"/>
+                        </a:rPr>
+                        <a:t>Weekly </a:t>
+                      </a:r>
+                      <a:r>
+                        <a:rPr lang="en-IN" sz="1800" kern="1200" dirty="0" err="1">
+                          <a:solidFill>
+                            <a:schemeClr val="dk1"/>
+                          </a:solidFill>
+                          <a:effectLst/>
+                          <a:latin typeface="+mn-lt"/>
+                          <a:ea typeface="+mn-ea"/>
+                          <a:cs typeface="+mn-cs"/>
+                        </a:rPr>
+                        <a:t>Crudeoil</a:t>
+                      </a:r>
+                      <a:r>
+                        <a:rPr lang="en-IN" sz="1800" kern="1200" dirty="0">
+                          <a:solidFill>
+                            <a:schemeClr val="dk1"/>
+                          </a:solidFill>
+                          <a:effectLst/>
+                          <a:latin typeface="+mn-lt"/>
+                          <a:ea typeface="+mn-ea"/>
+                          <a:cs typeface="+mn-cs"/>
+                        </a:rPr>
+                        <a:t> Options on futures</a:t>
+                      </a:r>
+                      <a:endParaRPr lang="en-IN" dirty="0"/>
+                    </a:p>
+                  </a:txBody>
+                  <a:tcPr/>
+                </a:tc>
+                <a:tc>
+                  <a:txBody>
+                    <a:bodyPr/>
+                    <a:lstStyle/>
+                    <a:p>
+                      <a:endParaRPr lang="en-IN" dirty="0"/>
+                    </a:p>
+                  </a:txBody>
+                  <a:tcPr/>
+                </a:tc>
+                <a:tc>
+                  <a:txBody>
+                    <a:bodyPr/>
+                    <a:lstStyle/>
+                    <a:p>
+                      <a:r>
+                        <a:rPr lang="en-US" dirty="0"/>
+                        <a:t>Can Margin or modify</a:t>
+                      </a:r>
+                      <a:endParaRPr lang="en-IN" dirty="0"/>
+                    </a:p>
+                  </a:txBody>
+                  <a:tcPr/>
+                </a:tc>
+                <a:tc>
+                  <a:txBody>
+                    <a:bodyPr/>
+                    <a:lstStyle/>
+                    <a:p>
+                      <a:r>
+                        <a:rPr lang="en-US" dirty="0"/>
+                        <a:t>Provides User management : </a:t>
+                      </a:r>
+                      <a:r>
+                        <a:rPr lang="en-US" dirty="0" err="1"/>
+                        <a:t>pswd</a:t>
+                      </a:r>
+                      <a:r>
+                        <a:rPr lang="en-US" dirty="0"/>
+                        <a:t> reset, Privileges: maker unit, approve</a:t>
+                      </a:r>
+                      <a:endParaRPr lang="en-IN" dirty="0"/>
+                    </a:p>
+                  </a:txBody>
+                  <a:tcPr/>
+                </a:tc>
+                <a:tc>
+                  <a:txBody>
+                    <a:bodyPr/>
+                    <a:lstStyle/>
+                    <a:p>
+                      <a:r>
+                        <a:rPr lang="en-US" dirty="0"/>
+                        <a:t>Database code report</a:t>
+                      </a:r>
+                      <a:endParaRPr lang="en-IN" dirty="0"/>
+                    </a:p>
+                  </a:txBody>
+                  <a:tcPr/>
+                </a:tc>
+                <a:extLst>
+                  <a:ext uri="{0D108BD9-81ED-4DB2-BD59-A6C34878D82A}">
+                    <a16:rowId xmlns:a16="http://schemas.microsoft.com/office/drawing/2014/main" val="406808905"/>
+                  </a:ext>
+                </a:extLst>
+              </a:tr>
+              <a:tr h="1916336">
+                <a:tc>
+                  <a:txBody>
+                    <a:bodyPr/>
+                    <a:lstStyle/>
+                    <a:p>
+                      <a:r>
+                        <a:rPr lang="en-US" dirty="0"/>
+                        <a:t>Open Interests OI violation reports</a:t>
+                      </a:r>
+                      <a:endParaRPr lang="en-IN" dirty="0"/>
+                    </a:p>
+                  </a:txBody>
+                  <a:tcPr/>
+                </a:tc>
+                <a:tc>
+                  <a:txBody>
+                    <a:bodyPr/>
+                    <a:lstStyle/>
+                    <a:p>
+                      <a:endParaRPr lang="en-IN" dirty="0"/>
+                    </a:p>
+                  </a:txBody>
+                  <a:tcPr/>
+                </a:tc>
+                <a:tc>
+                  <a:txBody>
+                    <a:bodyPr/>
+                    <a:lstStyle/>
+                    <a:p>
+                      <a:r>
+                        <a:rPr lang="en-US" dirty="0"/>
+                        <a:t>Provides Net position definition </a:t>
+                      </a:r>
+                      <a:endParaRPr lang="en-IN" dirty="0"/>
+                    </a:p>
+                  </a:txBody>
+                  <a:tcPr/>
+                </a:tc>
+                <a:tc>
+                  <a:txBody>
+                    <a:bodyPr/>
+                    <a:lstStyle/>
+                    <a:p>
+                      <a:r>
+                        <a:rPr lang="en-US" dirty="0"/>
+                        <a:t>Internal User: main</a:t>
+                      </a:r>
+                    </a:p>
+                    <a:p>
+                      <a:r>
+                        <a:rPr lang="en-US" dirty="0"/>
+                        <a:t>External User: maintenance, Status: Traded / Pending, Trade Book: buy / Sell</a:t>
+                      </a:r>
+                      <a:endParaRPr lang="en-IN" dirty="0"/>
+                    </a:p>
+                  </a:txBody>
+                  <a:tcPr/>
+                </a:tc>
+                <a:tc>
+                  <a:txBody>
+                    <a:bodyPr/>
+                    <a:lstStyle/>
+                    <a:p>
+                      <a:r>
+                        <a:rPr lang="en-US" dirty="0"/>
+                        <a:t>Trading system developed by </a:t>
+                      </a:r>
+                      <a:r>
+                        <a:rPr lang="en-US" dirty="0" err="1"/>
+                        <a:t>Deutiche</a:t>
+                      </a:r>
+                      <a:r>
+                        <a:rPr lang="en-US" dirty="0"/>
+                        <a:t> Groups </a:t>
+                      </a:r>
+                      <a:r>
+                        <a:rPr lang="en-US" dirty="0" err="1"/>
+                        <a:t>Borse</a:t>
+                      </a:r>
+                      <a:endParaRPr lang="en-IN" dirty="0"/>
+                    </a:p>
+                  </a:txBody>
+                  <a:tcPr/>
+                </a:tc>
+                <a:extLst>
+                  <a:ext uri="{0D108BD9-81ED-4DB2-BD59-A6C34878D82A}">
+                    <a16:rowId xmlns:a16="http://schemas.microsoft.com/office/drawing/2014/main" val="3653508899"/>
+                  </a:ext>
+                </a:extLst>
+              </a:tr>
+            </a:tbl>
+          </a:graphicData>
+        </a:graphic>
+      </p:graphicFrame>
     </p:spTree>
     <p:extLst>
       <p:ext uri="{BB962C8B-B14F-4D97-AF65-F5344CB8AC3E}">
-        <p14:creationId xmlns:p14="http://schemas.microsoft.com/office/powerpoint/2010/main" val="3696200183"/>
+        <p14:creationId xmlns:p14="http://schemas.microsoft.com/office/powerpoint/2010/main" val="936724737"/>
       </p:ext>
     </p:extLst>
   </p:cSld>
@@ -4699,100 +5952,548 @@
             <p:ph type="title"/>
           </p:nvPr>
         </p:nvSpPr>
-        <p:spPr/>
-        <p:txBody>
-          <a:bodyPr/>
-          <a:lstStyle/>
-          <a:p>
-            <a:r>
-              <a:rPr lang="en-US" dirty="0" smtClean="0"/>
-              <a:t>Main code methods</a:t>
-            </a:r>
-            <a:endParaRPr lang="en-IN" dirty="0"/>
-          </a:p>
-        </p:txBody>
-      </p:sp>
-      <p:sp>
-        <p:nvSpPr>
-          <p:cNvPr id="3" name="Content Placeholder 2"/>
-          <p:cNvSpPr>
-            <a:spLocks noGrp="1"/>
-          </p:cNvSpPr>
+        <p:spPr>
+          <a:xfrm>
+            <a:off x="0" y="0"/>
+            <a:ext cx="10515600" cy="604693"/>
+          </a:xfrm>
+        </p:spPr>
+        <p:txBody>
+          <a:bodyPr>
+            <a:normAutofit fontScale="90000"/>
+          </a:bodyPr>
+          <a:lstStyle/>
+          <a:p>
+            <a:r>
+              <a:rPr lang="en-US" dirty="0"/>
+              <a:t>KT 5: </a:t>
+            </a:r>
+            <a:r>
+              <a:rPr lang="en-US" b="1" dirty="0"/>
+              <a:t>Application KT: 1</a:t>
+            </a:r>
+            <a:endParaRPr lang="en-IN" b="1" dirty="0"/>
+          </a:p>
+        </p:txBody>
+      </p:sp>
+      <p:graphicFrame>
+        <p:nvGraphicFramePr>
+          <p:cNvPr id="4" name="Content Placeholder 3">
+            <a:extLst>
+              <a:ext uri="{FF2B5EF4-FFF2-40B4-BE49-F238E27FC236}">
+                <a16:creationId xmlns:a16="http://schemas.microsoft.com/office/drawing/2014/main" id="{9BF29F13-B7C1-90FA-DA4D-417E2D065E96}"/>
+              </a:ext>
+            </a:extLst>
+          </p:cNvPr>
+          <p:cNvGraphicFramePr>
+            <a:graphicFrameLocks noGrp="1"/>
+          </p:cNvGraphicFramePr>
           <p:nvPr>
             <p:ph idx="1"/>
-          </p:nvPr>
-        </p:nvSpPr>
-        <p:spPr/>
-        <p:txBody>
-          <a:bodyPr/>
-          <a:lstStyle/>
-          <a:p>
-            <a:r>
-              <a:rPr lang="en-US" dirty="0" smtClean="0"/>
-              <a:t>Socket: 1024 receiving</a:t>
-            </a:r>
-          </a:p>
-          <a:p>
-            <a:pPr lvl="1"/>
-            <a:r>
-              <a:rPr lang="en-US" dirty="0" smtClean="0"/>
-              <a:t>MOCKDR: Gateway logout</a:t>
-            </a:r>
-            <a:endParaRPr lang="en-IN" dirty="0" smtClean="0"/>
-          </a:p>
-          <a:p>
-            <a:pPr lvl="1"/>
-            <a:r>
-              <a:rPr lang="en-US" dirty="0" smtClean="0"/>
-              <a:t>MOCKDC: Gateway logout</a:t>
-            </a:r>
-          </a:p>
-          <a:p>
-            <a:pPr lvl="1"/>
-            <a:r>
-              <a:rPr lang="en-US" dirty="0" smtClean="0"/>
-              <a:t>Binary codes numbers:</a:t>
-            </a:r>
-          </a:p>
-          <a:p>
-            <a:pPr lvl="2"/>
-            <a:r>
-              <a:rPr lang="en-US" dirty="0" smtClean="0"/>
-              <a:t>10010: Reject response </a:t>
-            </a:r>
-          </a:p>
-          <a:p>
-            <a:pPr lvl="1"/>
-            <a:r>
-              <a:rPr lang="en-US" dirty="0" smtClean="0"/>
-              <a:t>AES: Decryption</a:t>
-            </a:r>
-          </a:p>
-          <a:p>
-            <a:pPr lvl="2"/>
-            <a:r>
-              <a:rPr lang="en-US" dirty="0" smtClean="0"/>
-              <a:t>Inside Excel Report Generation</a:t>
-            </a:r>
-          </a:p>
-          <a:p>
-            <a:pPr lvl="2"/>
-            <a:r>
-              <a:rPr lang="en-US" dirty="0" smtClean="0"/>
-              <a:t>Template id responses count.	</a:t>
-            </a:r>
-            <a:endParaRPr lang="en-US" dirty="0"/>
-          </a:p>
-          <a:p>
-            <a:pPr lvl="2"/>
-            <a:endParaRPr lang="en-US" dirty="0" smtClean="0"/>
-          </a:p>
-        </p:txBody>
-      </p:sp>
+            <p:extLst>
+              <p:ext uri="{D42A27DB-BD31-4B8C-83A1-F6EECF244321}">
+                <p14:modId xmlns:p14="http://schemas.microsoft.com/office/powerpoint/2010/main" val="2566986423"/>
+              </p:ext>
+            </p:extLst>
+          </p:nvPr>
+        </p:nvGraphicFramePr>
+        <p:xfrm>
+          <a:off x="0" y="604692"/>
+          <a:ext cx="12192000" cy="6253306"/>
+        </p:xfrm>
+        <a:graphic>
+          <a:graphicData uri="http://schemas.openxmlformats.org/drawingml/2006/table">
+            <a:tbl>
+              <a:tblPr firstRow="1" bandRow="1">
+                <a:tableStyleId>{5C22544A-7EE6-4342-B048-85BDC9FD1C3A}</a:tableStyleId>
+              </a:tblPr>
+              <a:tblGrid>
+                <a:gridCol w="3105150">
+                  <a:extLst>
+                    <a:ext uri="{9D8B030D-6E8A-4147-A177-3AD203B41FA5}">
+                      <a16:colId xmlns:a16="http://schemas.microsoft.com/office/drawing/2014/main" val="516033277"/>
+                    </a:ext>
+                  </a:extLst>
+                </a:gridCol>
+                <a:gridCol w="2266950">
+                  <a:extLst>
+                    <a:ext uri="{9D8B030D-6E8A-4147-A177-3AD203B41FA5}">
+                      <a16:colId xmlns:a16="http://schemas.microsoft.com/office/drawing/2014/main" val="1268992433"/>
+                    </a:ext>
+                  </a:extLst>
+                </a:gridCol>
+                <a:gridCol w="2516786">
+                  <a:extLst>
+                    <a:ext uri="{9D8B030D-6E8A-4147-A177-3AD203B41FA5}">
+                      <a16:colId xmlns:a16="http://schemas.microsoft.com/office/drawing/2014/main" val="3572672676"/>
+                    </a:ext>
+                  </a:extLst>
+                </a:gridCol>
+                <a:gridCol w="2151557">
+                  <a:extLst>
+                    <a:ext uri="{9D8B030D-6E8A-4147-A177-3AD203B41FA5}">
+                      <a16:colId xmlns:a16="http://schemas.microsoft.com/office/drawing/2014/main" val="1606865271"/>
+                    </a:ext>
+                  </a:extLst>
+                </a:gridCol>
+                <a:gridCol w="2151557">
+                  <a:extLst>
+                    <a:ext uri="{9D8B030D-6E8A-4147-A177-3AD203B41FA5}">
+                      <a16:colId xmlns:a16="http://schemas.microsoft.com/office/drawing/2014/main" val="4021613804"/>
+                    </a:ext>
+                  </a:extLst>
+                </a:gridCol>
+              </a:tblGrid>
+              <a:tr h="471948">
+                <a:tc>
+                  <a:txBody>
+                    <a:bodyPr/>
+                    <a:lstStyle/>
+                    <a:p>
+                      <a:r>
+                        <a:rPr lang="en-US" dirty="0"/>
+                        <a:t>MTS</a:t>
+                      </a:r>
+                      <a:endParaRPr lang="en-IN" dirty="0"/>
+                    </a:p>
+                  </a:txBody>
+                  <a:tcPr/>
+                </a:tc>
+                <a:tc>
+                  <a:txBody>
+                    <a:bodyPr/>
+                    <a:lstStyle/>
+                    <a:p>
+                      <a:r>
+                        <a:rPr lang="en-US" dirty="0"/>
+                        <a:t>MCS</a:t>
+                      </a:r>
+                      <a:endParaRPr lang="en-IN" dirty="0"/>
+                    </a:p>
+                  </a:txBody>
+                  <a:tcPr/>
+                </a:tc>
+                <a:tc>
+                  <a:txBody>
+                    <a:bodyPr/>
+                    <a:lstStyle/>
+                    <a:p>
+                      <a:r>
+                        <a:rPr lang="en-US" dirty="0"/>
+                        <a:t>Bancs</a:t>
+                      </a:r>
+                      <a:endParaRPr lang="en-IN" dirty="0"/>
+                    </a:p>
+                  </a:txBody>
+                  <a:tcPr/>
+                </a:tc>
+                <a:tc>
+                  <a:txBody>
+                    <a:bodyPr/>
+                    <a:lstStyle/>
+                    <a:p>
+                      <a:r>
+                        <a:rPr lang="en-US" dirty="0"/>
+                        <a:t>T7</a:t>
+                      </a:r>
+                      <a:endParaRPr lang="en-IN" dirty="0"/>
+                    </a:p>
+                  </a:txBody>
+                  <a:tcPr/>
+                </a:tc>
+                <a:tc>
+                  <a:txBody>
+                    <a:bodyPr/>
+                    <a:lstStyle/>
+                    <a:p>
+                      <a:r>
+                        <a:rPr lang="en-US" dirty="0"/>
+                        <a:t>TG</a:t>
+                      </a:r>
+                      <a:endParaRPr lang="en-IN" dirty="0"/>
+                    </a:p>
+                  </a:txBody>
+                  <a:tcPr/>
+                </a:tc>
+                <a:extLst>
+                  <a:ext uri="{0D108BD9-81ED-4DB2-BD59-A6C34878D82A}">
+                    <a16:rowId xmlns:a16="http://schemas.microsoft.com/office/drawing/2014/main" val="3864223180"/>
+                  </a:ext>
+                </a:extLst>
+              </a:tr>
+              <a:tr h="2595712">
+                <a:tc>
+                  <a:txBody>
+                    <a:bodyPr/>
+                    <a:lstStyle/>
+                    <a:p>
+                      <a:r>
+                        <a:rPr lang="en-IN" sz="1800" kern="1200" dirty="0">
+                          <a:solidFill>
+                            <a:schemeClr val="dk1"/>
+                          </a:solidFill>
+                          <a:effectLst/>
+                          <a:latin typeface="+mn-lt"/>
+                          <a:ea typeface="+mn-ea"/>
+                          <a:cs typeface="+mn-cs"/>
+                        </a:rPr>
+                        <a:t>Market Watch Profile , Quote Screen</a:t>
+                      </a:r>
+                      <a:endParaRPr lang="en-IN" dirty="0"/>
+                    </a:p>
+                  </a:txBody>
+                  <a:tcPr/>
+                </a:tc>
+                <a:tc>
+                  <a:txBody>
+                    <a:bodyPr/>
+                    <a:lstStyle/>
+                    <a:p>
+                      <a:r>
+                        <a:rPr lang="en-IN" sz="1800" kern="1200" dirty="0">
+                          <a:solidFill>
+                            <a:schemeClr val="dk1"/>
+                          </a:solidFill>
+                          <a:effectLst/>
+                          <a:latin typeface="+mn-lt"/>
+                          <a:ea typeface="+mn-ea"/>
+                          <a:cs typeface="+mn-cs"/>
+                        </a:rPr>
+                        <a:t>Market Watch Profile , Quote Screen</a:t>
+                      </a:r>
+                      <a:endParaRPr lang="en-IN" dirty="0"/>
+                    </a:p>
+                  </a:txBody>
+                  <a:tcPr/>
+                </a:tc>
+                <a:tc>
+                  <a:txBody>
+                    <a:bodyPr/>
+                    <a:lstStyle/>
+                    <a:p>
+                      <a:r>
+                        <a:rPr lang="en-US" dirty="0"/>
+                        <a:t>Query trade happens with this application</a:t>
+                      </a:r>
+                      <a:endParaRPr lang="en-IN" dirty="0"/>
+                    </a:p>
+                  </a:txBody>
+                  <a:tcPr/>
+                </a:tc>
+                <a:tc>
+                  <a:txBody>
+                    <a:bodyPr/>
+                    <a:lstStyle/>
+                    <a:p>
+                      <a:pPr marL="0" marR="0" lvl="0" indent="0" algn="l" defTabSz="914400" rtl="0" eaLnBrk="1" fontAlgn="auto" latinLnBrk="0" hangingPunct="1">
+                        <a:lnSpc>
+                          <a:spcPct val="100000"/>
+                        </a:lnSpc>
+                        <a:spcBef>
+                          <a:spcPts val="0"/>
+                        </a:spcBef>
+                        <a:spcAft>
+                          <a:spcPts val="0"/>
+                        </a:spcAft>
+                        <a:buClrTx/>
+                        <a:buSzTx/>
+                        <a:buFontTx/>
+                        <a:buNone/>
+                        <a:tabLst/>
+                        <a:defRPr/>
+                      </a:pPr>
+                      <a:r>
+                        <a:rPr lang="en-US" dirty="0"/>
+                        <a:t>Can do: Order Number, Modify and Entry time changes, product month, same name expiry time monthly</a:t>
+                      </a:r>
+                      <a:r>
+                        <a:rPr lang="en-IN" dirty="0"/>
+                        <a:t>, Order history</a:t>
+                      </a:r>
+                    </a:p>
+                  </a:txBody>
+                  <a:tcPr/>
+                </a:tc>
+                <a:tc>
+                  <a:txBody>
+                    <a:bodyPr/>
+                    <a:lstStyle/>
+                    <a:p>
+                      <a:pPr marL="0" marR="0" lvl="0" indent="0" algn="l" defTabSz="914400" rtl="0" eaLnBrk="1" fontAlgn="auto" latinLnBrk="0" hangingPunct="1">
+                        <a:lnSpc>
+                          <a:spcPct val="100000"/>
+                        </a:lnSpc>
+                        <a:spcBef>
+                          <a:spcPts val="0"/>
+                        </a:spcBef>
+                        <a:spcAft>
+                          <a:spcPts val="0"/>
+                        </a:spcAft>
+                        <a:buClrTx/>
+                        <a:buSzTx/>
+                        <a:buFontTx/>
+                        <a:buNone/>
+                        <a:tabLst/>
+                        <a:defRPr/>
+                      </a:pPr>
+                      <a:endParaRPr lang="en-IN" dirty="0"/>
+                    </a:p>
+                  </a:txBody>
+                  <a:tcPr/>
+                </a:tc>
+                <a:extLst>
+                  <a:ext uri="{0D108BD9-81ED-4DB2-BD59-A6C34878D82A}">
+                    <a16:rowId xmlns:a16="http://schemas.microsoft.com/office/drawing/2014/main" val="3338452063"/>
+                  </a:ext>
+                </a:extLst>
+              </a:tr>
+              <a:tr h="825908">
+                <a:tc>
+                  <a:txBody>
+                    <a:bodyPr/>
+                    <a:lstStyle/>
+                    <a:p>
+                      <a:r>
+                        <a:rPr lang="en-US" sz="1800" kern="1200" dirty="0">
+                          <a:solidFill>
+                            <a:schemeClr val="dk1"/>
+                          </a:solidFill>
+                          <a:effectLst/>
+                          <a:latin typeface="+mn-lt"/>
+                          <a:ea typeface="+mn-ea"/>
+                          <a:cs typeface="+mn-cs"/>
+                        </a:rPr>
+                        <a:t>O</a:t>
+                      </a:r>
+                      <a:r>
+                        <a:rPr lang="en-IN" sz="1800" kern="1200" dirty="0" err="1">
+                          <a:solidFill>
+                            <a:schemeClr val="dk1"/>
+                          </a:solidFill>
+                          <a:effectLst/>
+                          <a:latin typeface="+mn-lt"/>
+                          <a:ea typeface="+mn-ea"/>
+                          <a:cs typeface="+mn-cs"/>
+                        </a:rPr>
+                        <a:t>ption</a:t>
+                      </a:r>
+                      <a:r>
+                        <a:rPr lang="en-IN" sz="1800" kern="1200" dirty="0">
+                          <a:solidFill>
+                            <a:schemeClr val="dk1"/>
+                          </a:solidFill>
+                          <a:effectLst/>
+                          <a:latin typeface="+mn-lt"/>
+                          <a:ea typeface="+mn-ea"/>
+                          <a:cs typeface="+mn-cs"/>
+                        </a:rPr>
+                        <a:t> type: PE All Options Strikes </a:t>
+                      </a:r>
+                      <a:endParaRPr lang="en-IN" dirty="0"/>
+                    </a:p>
+                  </a:txBody>
+                  <a:tcPr/>
+                </a:tc>
+                <a:tc>
+                  <a:txBody>
+                    <a:bodyPr/>
+                    <a:lstStyle/>
+                    <a:p>
+                      <a:endParaRPr lang="en-IN" dirty="0"/>
+                    </a:p>
+                  </a:txBody>
+                  <a:tcPr/>
+                </a:tc>
+                <a:tc>
+                  <a:txBody>
+                    <a:bodyPr/>
+                    <a:lstStyle/>
+                    <a:p>
+                      <a:r>
+                        <a:rPr lang="en-US" dirty="0"/>
+                        <a:t>User Management is maintained</a:t>
+                      </a:r>
+                      <a:endParaRPr lang="en-IN" dirty="0"/>
+                    </a:p>
+                  </a:txBody>
+                  <a:tcPr/>
+                </a:tc>
+                <a:tc>
+                  <a:txBody>
+                    <a:bodyPr/>
+                    <a:lstStyle/>
+                    <a:p>
+                      <a:r>
+                        <a:rPr lang="en-US" dirty="0"/>
+                        <a:t>MTS API login</a:t>
+                      </a:r>
+                      <a:endParaRPr lang="en-IN" dirty="0"/>
+                    </a:p>
+                  </a:txBody>
+                  <a:tcPr/>
+                </a:tc>
+                <a:tc>
+                  <a:txBody>
+                    <a:bodyPr/>
+                    <a:lstStyle/>
+                    <a:p>
+                      <a:endParaRPr lang="en-IN" dirty="0"/>
+                    </a:p>
+                  </a:txBody>
+                  <a:tcPr/>
+                </a:tc>
+                <a:extLst>
+                  <a:ext uri="{0D108BD9-81ED-4DB2-BD59-A6C34878D82A}">
+                    <a16:rowId xmlns:a16="http://schemas.microsoft.com/office/drawing/2014/main" val="970450729"/>
+                  </a:ext>
+                </a:extLst>
+              </a:tr>
+              <a:tr h="825908">
+                <a:tc>
+                  <a:txBody>
+                    <a:bodyPr/>
+                    <a:lstStyle/>
+                    <a:p>
+                      <a:endParaRPr lang="en-IN" dirty="0"/>
+                    </a:p>
+                  </a:txBody>
+                  <a:tcPr/>
+                </a:tc>
+                <a:tc>
+                  <a:txBody>
+                    <a:bodyPr/>
+                    <a:lstStyle/>
+                    <a:p>
+                      <a:endParaRPr lang="en-IN" dirty="0"/>
+                    </a:p>
+                  </a:txBody>
+                  <a:tcPr/>
+                </a:tc>
+                <a:tc>
+                  <a:txBody>
+                    <a:bodyPr/>
+                    <a:lstStyle/>
+                    <a:p>
+                      <a:r>
+                        <a:rPr lang="en-US" dirty="0"/>
+                        <a:t>Query UCC if active/inactive</a:t>
+                      </a:r>
+                      <a:endParaRPr lang="en-IN" dirty="0"/>
+                    </a:p>
+                  </a:txBody>
+                  <a:tcPr/>
+                </a:tc>
+                <a:tc>
+                  <a:txBody>
+                    <a:bodyPr/>
+                    <a:lstStyle/>
+                    <a:p>
+                      <a:r>
+                        <a:rPr lang="en-US" dirty="0"/>
+                        <a:t>MCID: </a:t>
+                      </a:r>
+                      <a:r>
+                        <a:rPr lang="en-US" dirty="0" err="1"/>
+                        <a:t>Userid</a:t>
+                      </a:r>
+                      <a:endParaRPr lang="en-IN" dirty="0"/>
+                    </a:p>
+                  </a:txBody>
+                  <a:tcPr/>
+                </a:tc>
+                <a:tc>
+                  <a:txBody>
+                    <a:bodyPr/>
+                    <a:lstStyle/>
+                    <a:p>
+                      <a:endParaRPr lang="en-IN" dirty="0"/>
+                    </a:p>
+                  </a:txBody>
+                  <a:tcPr/>
+                </a:tc>
+                <a:extLst>
+                  <a:ext uri="{0D108BD9-81ED-4DB2-BD59-A6C34878D82A}">
+                    <a16:rowId xmlns:a16="http://schemas.microsoft.com/office/drawing/2014/main" val="2537196363"/>
+                  </a:ext>
+                </a:extLst>
+              </a:tr>
+              <a:tr h="1533830">
+                <a:tc>
+                  <a:txBody>
+                    <a:bodyPr/>
+                    <a:lstStyle/>
+                    <a:p>
+                      <a:endParaRPr lang="en-IN" dirty="0"/>
+                    </a:p>
+                  </a:txBody>
+                  <a:tcPr/>
+                </a:tc>
+                <a:tc>
+                  <a:txBody>
+                    <a:bodyPr/>
+                    <a:lstStyle/>
+                    <a:p>
+                      <a:endParaRPr lang="en-IN" dirty="0"/>
+                    </a:p>
+                  </a:txBody>
+                  <a:tcPr/>
+                </a:tc>
+                <a:tc>
+                  <a:txBody>
+                    <a:bodyPr/>
+                    <a:lstStyle/>
+                    <a:p>
+                      <a:r>
+                        <a:rPr lang="en-IN" dirty="0"/>
+                        <a:t>CTCL Terminal for Exchange: CRUD, ITCM Member </a:t>
+                      </a:r>
+                      <a:r>
+                        <a:rPr lang="en-US"/>
+                        <a:t>CTCL Screen under Reference Data</a:t>
+                      </a:r>
+                      <a:endParaRPr lang="en-IN" dirty="0"/>
+                    </a:p>
+                  </a:txBody>
+                  <a:tcPr/>
+                </a:tc>
+                <a:tc>
+                  <a:txBody>
+                    <a:bodyPr/>
+                    <a:lstStyle/>
+                    <a:p>
+                      <a:r>
+                        <a:rPr lang="en-US" dirty="0"/>
+                        <a:t>CTCL, Account Type, client, instrument name, User: RDS entity</a:t>
+                      </a:r>
+                      <a:endParaRPr lang="en-IN" dirty="0"/>
+                    </a:p>
+                  </a:txBody>
+                  <a:tcPr/>
+                </a:tc>
+                <a:tc>
+                  <a:txBody>
+                    <a:bodyPr/>
+                    <a:lstStyle/>
+                    <a:p>
+                      <a:endParaRPr lang="en-IN" dirty="0"/>
+                    </a:p>
+                  </a:txBody>
+                  <a:tcPr/>
+                </a:tc>
+                <a:extLst>
+                  <a:ext uri="{0D108BD9-81ED-4DB2-BD59-A6C34878D82A}">
+                    <a16:rowId xmlns:a16="http://schemas.microsoft.com/office/drawing/2014/main" val="386195409"/>
+                  </a:ext>
+                </a:extLst>
+              </a:tr>
+            </a:tbl>
+          </a:graphicData>
+        </a:graphic>
+      </p:graphicFrame>
     </p:spTree>
     <p:extLst>
       <p:ext uri="{BB962C8B-B14F-4D97-AF65-F5344CB8AC3E}">
-        <p14:creationId xmlns:p14="http://schemas.microsoft.com/office/powerpoint/2010/main" val="2954943236"/>
+        <p14:creationId xmlns:p14="http://schemas.microsoft.com/office/powerpoint/2010/main" val="746559504"/>
       </p:ext>
     </p:extLst>
   </p:cSld>
